--- a/fig/figS6.pptx
+++ b/fig/figS6.pptx
@@ -2,12 +2,12 @@
 <file path=ppt/presentation.xml><?xml version="1.0" encoding="utf-8"?>
 <p:presentation xmlns:a="http://schemas.openxmlformats.org/drawingml/2006/main" xmlns:r="http://schemas.openxmlformats.org/officeDocument/2006/relationships" xmlns:p="http://schemas.openxmlformats.org/presentationml/2006/main" saveSubsetFonts="1" autoCompressPictures="0">
   <p:sldMasterIdLst>
-    <p:sldMasterId id="2147483672" r:id="rId1"/>
+    <p:sldMasterId id="2147483768" r:id="rId1"/>
   </p:sldMasterIdLst>
   <p:sldIdLst>
-    <p:sldId id="256" r:id="rId2"/>
+    <p:sldId id="257" r:id="rId2"/>
   </p:sldIdLst>
-  <p:sldSz cx="9720263" cy="6858000"/>
+  <p:sldSz cx="12960350" cy="6480175"/>
   <p:notesSz cx="6858000" cy="9144000"/>
   <p:defaultTextStyle>
     <a:defPPr>
@@ -107,12 +107,12 @@
   <p:extLst>
     <p:ext uri="{EFAFB233-063F-42B5-8137-9DF3F51BA10A}">
       <p15:sldGuideLst xmlns:p15="http://schemas.microsoft.com/office/powerpoint/2012/main">
-        <p15:guide id="1" orient="horz" pos="2160" userDrawn="1">
+        <p15:guide id="1" orient="horz" pos="2041" userDrawn="1">
           <p15:clr>
             <a:srgbClr val="A4A3A4"/>
           </p15:clr>
         </p15:guide>
-        <p15:guide id="2" pos="3062" userDrawn="1">
+        <p15:guide id="2" pos="4064" userDrawn="1">
           <p15:clr>
             <a:srgbClr val="A4A3A4"/>
           </p15:clr>
@@ -152,15 +152,15 @@
         </p:nvSpPr>
         <p:spPr>
           <a:xfrm>
-            <a:off x="729020" y="1122363"/>
-            <a:ext cx="8262224" cy="2387600"/>
+            <a:off x="1620044" y="1060529"/>
+            <a:ext cx="9720263" cy="2256061"/>
           </a:xfrm>
         </p:spPr>
         <p:txBody>
           <a:bodyPr anchor="b"/>
           <a:lstStyle>
             <a:lvl1pPr algn="ctr">
-              <a:defRPr sz="6000"/>
+              <a:defRPr sz="5669"/>
             </a:lvl1pPr>
           </a:lstStyle>
           <a:p>
@@ -184,8 +184,8 @@
         </p:nvSpPr>
         <p:spPr>
           <a:xfrm>
-            <a:off x="1215033" y="3602038"/>
-            <a:ext cx="7290197" cy="1655762"/>
+            <a:off x="1620044" y="3403592"/>
+            <a:ext cx="9720263" cy="1564542"/>
           </a:xfrm>
         </p:spPr>
         <p:txBody>
@@ -193,39 +193,39 @@
           <a:lstStyle>
             <a:lvl1pPr marL="0" indent="0" algn="ctr">
               <a:buNone/>
-              <a:defRPr sz="2400"/>
+              <a:defRPr sz="2268"/>
             </a:lvl1pPr>
-            <a:lvl2pPr marL="457200" indent="0" algn="ctr">
-              <a:buNone/>
-              <a:defRPr sz="2000"/>
+            <a:lvl2pPr marL="432008" indent="0" algn="ctr">
+              <a:buNone/>
+              <a:defRPr sz="1890"/>
             </a:lvl2pPr>
-            <a:lvl3pPr marL="914400" indent="0" algn="ctr">
-              <a:buNone/>
-              <a:defRPr sz="1800"/>
+            <a:lvl3pPr marL="864017" indent="0" algn="ctr">
+              <a:buNone/>
+              <a:defRPr sz="1701"/>
             </a:lvl3pPr>
-            <a:lvl4pPr marL="1371600" indent="0" algn="ctr">
-              <a:buNone/>
-              <a:defRPr sz="1600"/>
+            <a:lvl4pPr marL="1296025" indent="0" algn="ctr">
+              <a:buNone/>
+              <a:defRPr sz="1512"/>
             </a:lvl4pPr>
-            <a:lvl5pPr marL="1828800" indent="0" algn="ctr">
-              <a:buNone/>
-              <a:defRPr sz="1600"/>
+            <a:lvl5pPr marL="1728033" indent="0" algn="ctr">
+              <a:buNone/>
+              <a:defRPr sz="1512"/>
             </a:lvl5pPr>
-            <a:lvl6pPr marL="2286000" indent="0" algn="ctr">
-              <a:buNone/>
-              <a:defRPr sz="1600"/>
+            <a:lvl6pPr marL="2160041" indent="0" algn="ctr">
+              <a:buNone/>
+              <a:defRPr sz="1512"/>
             </a:lvl6pPr>
-            <a:lvl7pPr marL="2743200" indent="0" algn="ctr">
-              <a:buNone/>
-              <a:defRPr sz="1600"/>
+            <a:lvl7pPr marL="2592050" indent="0" algn="ctr">
+              <a:buNone/>
+              <a:defRPr sz="1512"/>
             </a:lvl7pPr>
-            <a:lvl8pPr marL="3200400" indent="0" algn="ctr">
-              <a:buNone/>
-              <a:defRPr sz="1600"/>
+            <a:lvl8pPr marL="3024058" indent="0" algn="ctr">
+              <a:buNone/>
+              <a:defRPr sz="1512"/>
             </a:lvl8pPr>
-            <a:lvl9pPr marL="3657600" indent="0" algn="ctr">
-              <a:buNone/>
-              <a:defRPr sz="1600"/>
+            <a:lvl9pPr marL="3456066" indent="0" algn="ctr">
+              <a:buNone/>
+              <a:defRPr sz="1512"/>
             </a:lvl9pPr>
           </a:lstStyle>
           <a:p>
@@ -252,9 +252,15 @@
           <a:bodyPr/>
           <a:lstStyle/>
           <a:p>
-            <a:fld id="{B62D74DB-1ABB-EB42-8956-4C2DCB33C942}" type="datetimeFigureOut">
+            <a:pPr>
+              <a:defRPr/>
+            </a:pPr>
+            <a:fld id="{002A0CC9-C125-6D4D-8665-B1EE68ADB008}" type="datetimeFigureOut">
               <a:rPr lang="en-DE" smtClean="0"/>
-              <a:t>01.03.22</a:t>
+              <a:pPr>
+                <a:defRPr/>
+              </a:pPr>
+              <a:t>29.04.22</a:t>
             </a:fld>
             <a:endParaRPr lang="en-DE"/>
           </a:p>
@@ -275,6 +281,9 @@
           <a:bodyPr/>
           <a:lstStyle/>
           <a:p>
+            <a:pPr>
+              <a:defRPr/>
+            </a:pPr>
             <a:endParaRPr lang="en-DE"/>
           </a:p>
         </p:txBody>
@@ -294,8 +303,14 @@
           <a:bodyPr/>
           <a:lstStyle/>
           <a:p>
-            <a:fld id="{06A45A86-2DCD-0E42-A13D-7007D4DCAA84}" type="slidenum">
+            <a:pPr>
+              <a:defRPr/>
+            </a:pPr>
+            <a:fld id="{0FE77543-E77F-6946-94A3-87AE885C0474}" type="slidenum">
               <a:rPr lang="en-DE" smtClean="0"/>
+              <a:pPr>
+                <a:defRPr/>
+              </a:pPr>
               <a:t>‹#›</a:t>
             </a:fld>
             <a:endParaRPr lang="en-DE"/>
@@ -305,7 +320,7 @@
     </p:spTree>
     <p:extLst>
       <p:ext uri="{BB962C8B-B14F-4D97-AF65-F5344CB8AC3E}">
-        <p14:creationId xmlns:p14="http://schemas.microsoft.com/office/powerpoint/2010/main" val="1351402752"/>
+        <p14:creationId xmlns:p14="http://schemas.microsoft.com/office/powerpoint/2010/main" val="1608114109"/>
       </p:ext>
     </p:extLst>
   </p:cSld>
@@ -422,9 +437,15 @@
           <a:bodyPr/>
           <a:lstStyle/>
           <a:p>
-            <a:fld id="{B62D74DB-1ABB-EB42-8956-4C2DCB33C942}" type="datetimeFigureOut">
+            <a:pPr>
+              <a:defRPr/>
+            </a:pPr>
+            <a:fld id="{46001B54-449E-1E43-B68D-939DA56138D0}" type="datetimeFigureOut">
               <a:rPr lang="en-DE" smtClean="0"/>
-              <a:t>01.03.22</a:t>
+              <a:pPr>
+                <a:defRPr/>
+              </a:pPr>
+              <a:t>29.04.22</a:t>
             </a:fld>
             <a:endParaRPr lang="en-DE"/>
           </a:p>
@@ -445,6 +466,9 @@
           <a:bodyPr/>
           <a:lstStyle/>
           <a:p>
+            <a:pPr>
+              <a:defRPr/>
+            </a:pPr>
             <a:endParaRPr lang="en-DE"/>
           </a:p>
         </p:txBody>
@@ -464,8 +488,14 @@
           <a:bodyPr/>
           <a:lstStyle/>
           <a:p>
-            <a:fld id="{06A45A86-2DCD-0E42-A13D-7007D4DCAA84}" type="slidenum">
+            <a:pPr>
+              <a:defRPr/>
+            </a:pPr>
+            <a:fld id="{6033E86B-6410-3348-8D67-12FA1CFAFA8E}" type="slidenum">
               <a:rPr lang="en-DE" smtClean="0"/>
+              <a:pPr>
+                <a:defRPr/>
+              </a:pPr>
               <a:t>‹#›</a:t>
             </a:fld>
             <a:endParaRPr lang="en-DE"/>
@@ -475,7 +505,7 @@
     </p:spTree>
     <p:extLst>
       <p:ext uri="{BB962C8B-B14F-4D97-AF65-F5344CB8AC3E}">
-        <p14:creationId xmlns:p14="http://schemas.microsoft.com/office/powerpoint/2010/main" val="3501105965"/>
+        <p14:creationId xmlns:p14="http://schemas.microsoft.com/office/powerpoint/2010/main" val="3596940200"/>
       </p:ext>
     </p:extLst>
   </p:cSld>
@@ -514,8 +544,8 @@
         </p:nvSpPr>
         <p:spPr>
           <a:xfrm>
-            <a:off x="6956064" y="365125"/>
-            <a:ext cx="2095932" cy="5811838"/>
+            <a:off x="9274751" y="345009"/>
+            <a:ext cx="2794575" cy="5491649"/>
           </a:xfrm>
         </p:spPr>
         <p:txBody>
@@ -542,8 +572,8 @@
         </p:nvSpPr>
         <p:spPr>
           <a:xfrm>
-            <a:off x="668269" y="365125"/>
-            <a:ext cx="6166292" cy="5811838"/>
+            <a:off x="891024" y="345009"/>
+            <a:ext cx="8221722" cy="5491649"/>
           </a:xfrm>
         </p:spPr>
         <p:txBody>
@@ -602,9 +632,15 @@
           <a:bodyPr/>
           <a:lstStyle/>
           <a:p>
-            <a:fld id="{B62D74DB-1ABB-EB42-8956-4C2DCB33C942}" type="datetimeFigureOut">
+            <a:pPr>
+              <a:defRPr/>
+            </a:pPr>
+            <a:fld id="{F6BAE2DB-CCFE-0B4F-9701-176178FDECA6}" type="datetimeFigureOut">
               <a:rPr lang="en-DE" smtClean="0"/>
-              <a:t>01.03.22</a:t>
+              <a:pPr>
+                <a:defRPr/>
+              </a:pPr>
+              <a:t>29.04.22</a:t>
             </a:fld>
             <a:endParaRPr lang="en-DE"/>
           </a:p>
@@ -625,6 +661,9 @@
           <a:bodyPr/>
           <a:lstStyle/>
           <a:p>
+            <a:pPr>
+              <a:defRPr/>
+            </a:pPr>
             <a:endParaRPr lang="en-DE"/>
           </a:p>
         </p:txBody>
@@ -644,8 +683,14 @@
           <a:bodyPr/>
           <a:lstStyle/>
           <a:p>
-            <a:fld id="{06A45A86-2DCD-0E42-A13D-7007D4DCAA84}" type="slidenum">
+            <a:pPr>
+              <a:defRPr/>
+            </a:pPr>
+            <a:fld id="{20649C45-67A7-8948-80AF-F911EC26D4C2}" type="slidenum">
               <a:rPr lang="en-DE" smtClean="0"/>
+              <a:pPr>
+                <a:defRPr/>
+              </a:pPr>
               <a:t>‹#›</a:t>
             </a:fld>
             <a:endParaRPr lang="en-DE"/>
@@ -655,7 +700,7 @@
     </p:spTree>
     <p:extLst>
       <p:ext uri="{BB962C8B-B14F-4D97-AF65-F5344CB8AC3E}">
-        <p14:creationId xmlns:p14="http://schemas.microsoft.com/office/powerpoint/2010/main" val="1509947575"/>
+        <p14:creationId xmlns:p14="http://schemas.microsoft.com/office/powerpoint/2010/main" val="351153574"/>
       </p:ext>
     </p:extLst>
   </p:cSld>
@@ -772,9 +817,15 @@
           <a:bodyPr/>
           <a:lstStyle/>
           <a:p>
-            <a:fld id="{B62D74DB-1ABB-EB42-8956-4C2DCB33C942}" type="datetimeFigureOut">
+            <a:pPr>
+              <a:defRPr/>
+            </a:pPr>
+            <a:fld id="{7EA7883C-C151-A14A-9B39-F638B7ECD34F}" type="datetimeFigureOut">
               <a:rPr lang="en-DE" smtClean="0"/>
-              <a:t>01.03.22</a:t>
+              <a:pPr>
+                <a:defRPr/>
+              </a:pPr>
+              <a:t>29.04.22</a:t>
             </a:fld>
             <a:endParaRPr lang="en-DE"/>
           </a:p>
@@ -795,6 +846,9 @@
           <a:bodyPr/>
           <a:lstStyle/>
           <a:p>
+            <a:pPr>
+              <a:defRPr/>
+            </a:pPr>
             <a:endParaRPr lang="en-DE"/>
           </a:p>
         </p:txBody>
@@ -814,8 +868,14 @@
           <a:bodyPr/>
           <a:lstStyle/>
           <a:p>
-            <a:fld id="{06A45A86-2DCD-0E42-A13D-7007D4DCAA84}" type="slidenum">
+            <a:pPr>
+              <a:defRPr/>
+            </a:pPr>
+            <a:fld id="{B2679455-850E-1049-ABC3-7DD4CB85601D}" type="slidenum">
               <a:rPr lang="en-DE" smtClean="0"/>
+              <a:pPr>
+                <a:defRPr/>
+              </a:pPr>
               <a:t>‹#›</a:t>
             </a:fld>
             <a:endParaRPr lang="en-DE"/>
@@ -825,7 +885,7 @@
     </p:spTree>
     <p:extLst>
       <p:ext uri="{BB962C8B-B14F-4D97-AF65-F5344CB8AC3E}">
-        <p14:creationId xmlns:p14="http://schemas.microsoft.com/office/powerpoint/2010/main" val="1762743166"/>
+        <p14:creationId xmlns:p14="http://schemas.microsoft.com/office/powerpoint/2010/main" val="4017449137"/>
       </p:ext>
     </p:extLst>
   </p:cSld>
@@ -864,15 +924,15 @@
         </p:nvSpPr>
         <p:spPr>
           <a:xfrm>
-            <a:off x="663206" y="1709740"/>
-            <a:ext cx="8383727" cy="2852737"/>
+            <a:off x="884274" y="1615545"/>
+            <a:ext cx="11178302" cy="2695572"/>
           </a:xfrm>
         </p:spPr>
         <p:txBody>
           <a:bodyPr anchor="b"/>
           <a:lstStyle>
             <a:lvl1pPr>
-              <a:defRPr sz="6000"/>
+              <a:defRPr sz="5669"/>
             </a:lvl1pPr>
           </a:lstStyle>
           <a:p>
@@ -896,8 +956,8 @@
         </p:nvSpPr>
         <p:spPr>
           <a:xfrm>
-            <a:off x="663206" y="4589465"/>
-            <a:ext cx="8383727" cy="1500187"/>
+            <a:off x="884274" y="4336618"/>
+            <a:ext cx="11178302" cy="1417538"/>
           </a:xfrm>
         </p:spPr>
         <p:txBody>
@@ -905,91 +965,93 @@
           <a:lstStyle>
             <a:lvl1pPr marL="0" indent="0">
               <a:buNone/>
-              <a:defRPr sz="2400">
-                <a:solidFill>
-                  <a:schemeClr val="tx1"/>
-                </a:solidFill>
-              </a:defRPr>
-            </a:lvl1pPr>
-            <a:lvl2pPr marL="457200" indent="0">
-              <a:buNone/>
-              <a:defRPr sz="2000">
+              <a:defRPr sz="2268">
                 <a:solidFill>
                   <a:schemeClr val="tx1">
                     <a:tint val="75000"/>
                   </a:schemeClr>
                 </a:solidFill>
               </a:defRPr>
-            </a:lvl2pPr>
-            <a:lvl3pPr marL="914400" indent="0">
-              <a:buNone/>
-              <a:defRPr sz="1800">
+            </a:lvl1pPr>
+            <a:lvl2pPr marL="432008" indent="0">
+              <a:buNone/>
+              <a:defRPr sz="1890">
                 <a:solidFill>
                   <a:schemeClr val="tx1">
                     <a:tint val="75000"/>
                   </a:schemeClr>
                 </a:solidFill>
               </a:defRPr>
-            </a:lvl3pPr>
-            <a:lvl4pPr marL="1371600" indent="0">
-              <a:buNone/>
-              <a:defRPr sz="1600">
+            </a:lvl2pPr>
+            <a:lvl3pPr marL="864017" indent="0">
+              <a:buNone/>
+              <a:defRPr sz="1701">
                 <a:solidFill>
                   <a:schemeClr val="tx1">
                     <a:tint val="75000"/>
                   </a:schemeClr>
                 </a:solidFill>
               </a:defRPr>
-            </a:lvl4pPr>
-            <a:lvl5pPr marL="1828800" indent="0">
-              <a:buNone/>
-              <a:defRPr sz="1600">
+            </a:lvl3pPr>
+            <a:lvl4pPr marL="1296025" indent="0">
+              <a:buNone/>
+              <a:defRPr sz="1512">
                 <a:solidFill>
                   <a:schemeClr val="tx1">
                     <a:tint val="75000"/>
                   </a:schemeClr>
                 </a:solidFill>
               </a:defRPr>
-            </a:lvl5pPr>
-            <a:lvl6pPr marL="2286000" indent="0">
-              <a:buNone/>
-              <a:defRPr sz="1600">
+            </a:lvl4pPr>
+            <a:lvl5pPr marL="1728033" indent="0">
+              <a:buNone/>
+              <a:defRPr sz="1512">
                 <a:solidFill>
                   <a:schemeClr val="tx1">
                     <a:tint val="75000"/>
                   </a:schemeClr>
                 </a:solidFill>
               </a:defRPr>
-            </a:lvl6pPr>
-            <a:lvl7pPr marL="2743200" indent="0">
-              <a:buNone/>
-              <a:defRPr sz="1600">
+            </a:lvl5pPr>
+            <a:lvl6pPr marL="2160041" indent="0">
+              <a:buNone/>
+              <a:defRPr sz="1512">
                 <a:solidFill>
                   <a:schemeClr val="tx1">
                     <a:tint val="75000"/>
                   </a:schemeClr>
                 </a:solidFill>
               </a:defRPr>
-            </a:lvl7pPr>
-            <a:lvl8pPr marL="3200400" indent="0">
-              <a:buNone/>
-              <a:defRPr sz="1600">
+            </a:lvl6pPr>
+            <a:lvl7pPr marL="2592050" indent="0">
+              <a:buNone/>
+              <a:defRPr sz="1512">
                 <a:solidFill>
                   <a:schemeClr val="tx1">
                     <a:tint val="75000"/>
                   </a:schemeClr>
                 </a:solidFill>
               </a:defRPr>
-            </a:lvl8pPr>
-            <a:lvl9pPr marL="3657600" indent="0">
-              <a:buNone/>
-              <a:defRPr sz="1600">
+            </a:lvl7pPr>
+            <a:lvl8pPr marL="3024058" indent="0">
+              <a:buNone/>
+              <a:defRPr sz="1512">
                 <a:solidFill>
                   <a:schemeClr val="tx1">
                     <a:tint val="75000"/>
                   </a:schemeClr>
                 </a:solidFill>
               </a:defRPr>
+            </a:lvl8pPr>
+            <a:lvl9pPr marL="3456066" indent="0">
+              <a:buNone/>
+              <a:defRPr sz="1512">
+                <a:solidFill>
+                  <a:schemeClr val="tx1">
+                    <a:tint val="75000"/>
+                  </a:schemeClr>
+                </a:solidFill>
+              </a:defRPr>
             </a:lvl9pPr>
           </a:lstStyle>
           <a:p>
@@ -1016,9 +1078,15 @@
           <a:bodyPr/>
           <a:lstStyle/>
           <a:p>
-            <a:fld id="{B62D74DB-1ABB-EB42-8956-4C2DCB33C942}" type="datetimeFigureOut">
+            <a:pPr>
+              <a:defRPr/>
+            </a:pPr>
+            <a:fld id="{3924D394-0C85-8E4A-A815-2932B897FBBC}" type="datetimeFigureOut">
               <a:rPr lang="en-DE" smtClean="0"/>
-              <a:t>01.03.22</a:t>
+              <a:pPr>
+                <a:defRPr/>
+              </a:pPr>
+              <a:t>29.04.22</a:t>
             </a:fld>
             <a:endParaRPr lang="en-DE"/>
           </a:p>
@@ -1039,6 +1107,9 @@
           <a:bodyPr/>
           <a:lstStyle/>
           <a:p>
+            <a:pPr>
+              <a:defRPr/>
+            </a:pPr>
             <a:endParaRPr lang="en-DE"/>
           </a:p>
         </p:txBody>
@@ -1058,8 +1129,14 @@
           <a:bodyPr/>
           <a:lstStyle/>
           <a:p>
-            <a:fld id="{06A45A86-2DCD-0E42-A13D-7007D4DCAA84}" type="slidenum">
+            <a:pPr>
+              <a:defRPr/>
+            </a:pPr>
+            <a:fld id="{1BCA6AA6-D283-5745-A40C-C50339B5A58D}" type="slidenum">
               <a:rPr lang="en-DE" smtClean="0"/>
+              <a:pPr>
+                <a:defRPr/>
+              </a:pPr>
               <a:t>‹#›</a:t>
             </a:fld>
             <a:endParaRPr lang="en-DE"/>
@@ -1069,7 +1146,7 @@
     </p:spTree>
     <p:extLst>
       <p:ext uri="{BB962C8B-B14F-4D97-AF65-F5344CB8AC3E}">
-        <p14:creationId xmlns:p14="http://schemas.microsoft.com/office/powerpoint/2010/main" val="3992079291"/>
+        <p14:creationId xmlns:p14="http://schemas.microsoft.com/office/powerpoint/2010/main" val="2867597083"/>
       </p:ext>
     </p:extLst>
   </p:cSld>
@@ -1131,8 +1208,8 @@
         </p:nvSpPr>
         <p:spPr>
           <a:xfrm>
-            <a:off x="668268" y="1825625"/>
-            <a:ext cx="4131112" cy="4351338"/>
+            <a:off x="891024" y="1725046"/>
+            <a:ext cx="5508149" cy="4111612"/>
           </a:xfrm>
         </p:spPr>
         <p:txBody>
@@ -1188,8 +1265,8 @@
         </p:nvSpPr>
         <p:spPr>
           <a:xfrm>
-            <a:off x="4920883" y="1825625"/>
-            <a:ext cx="4131112" cy="4351338"/>
+            <a:off x="6561177" y="1725046"/>
+            <a:ext cx="5508149" cy="4111612"/>
           </a:xfrm>
         </p:spPr>
         <p:txBody>
@@ -1248,9 +1325,15 @@
           <a:bodyPr/>
           <a:lstStyle/>
           <a:p>
-            <a:fld id="{B62D74DB-1ABB-EB42-8956-4C2DCB33C942}" type="datetimeFigureOut">
+            <a:pPr>
+              <a:defRPr/>
+            </a:pPr>
+            <a:fld id="{4D4669D8-38F0-2147-A556-4A33C64A2421}" type="datetimeFigureOut">
               <a:rPr lang="en-DE" smtClean="0"/>
-              <a:t>01.03.22</a:t>
+              <a:pPr>
+                <a:defRPr/>
+              </a:pPr>
+              <a:t>29.04.22</a:t>
             </a:fld>
             <a:endParaRPr lang="en-DE"/>
           </a:p>
@@ -1271,6 +1354,9 @@
           <a:bodyPr/>
           <a:lstStyle/>
           <a:p>
+            <a:pPr>
+              <a:defRPr/>
+            </a:pPr>
             <a:endParaRPr lang="en-DE"/>
           </a:p>
         </p:txBody>
@@ -1290,8 +1376,14 @@
           <a:bodyPr/>
           <a:lstStyle/>
           <a:p>
-            <a:fld id="{06A45A86-2DCD-0E42-A13D-7007D4DCAA84}" type="slidenum">
+            <a:pPr>
+              <a:defRPr/>
+            </a:pPr>
+            <a:fld id="{77C6A8CD-AA15-A145-A4D5-57079BE71A7C}" type="slidenum">
               <a:rPr lang="en-DE" smtClean="0"/>
+              <a:pPr>
+                <a:defRPr/>
+              </a:pPr>
               <a:t>‹#›</a:t>
             </a:fld>
             <a:endParaRPr lang="en-DE"/>
@@ -1301,7 +1393,7 @@
     </p:spTree>
     <p:extLst>
       <p:ext uri="{BB962C8B-B14F-4D97-AF65-F5344CB8AC3E}">
-        <p14:creationId xmlns:p14="http://schemas.microsoft.com/office/powerpoint/2010/main" val="1358333293"/>
+        <p14:creationId xmlns:p14="http://schemas.microsoft.com/office/powerpoint/2010/main" val="1221809766"/>
       </p:ext>
     </p:extLst>
   </p:cSld>
@@ -1340,8 +1432,8 @@
         </p:nvSpPr>
         <p:spPr>
           <a:xfrm>
-            <a:off x="669534" y="365127"/>
-            <a:ext cx="8383727" cy="1325563"/>
+            <a:off x="892712" y="345010"/>
+            <a:ext cx="11178302" cy="1252534"/>
           </a:xfrm>
         </p:spPr>
         <p:txBody>
@@ -1368,8 +1460,8 @@
         </p:nvSpPr>
         <p:spPr>
           <a:xfrm>
-            <a:off x="669535" y="1681163"/>
-            <a:ext cx="4112126" cy="823912"/>
+            <a:off x="892713" y="1588543"/>
+            <a:ext cx="5482835" cy="778521"/>
           </a:xfrm>
         </p:spPr>
         <p:txBody>
@@ -1377,39 +1469,39 @@
           <a:lstStyle>
             <a:lvl1pPr marL="0" indent="0">
               <a:buNone/>
-              <a:defRPr sz="2400" b="1"/>
+              <a:defRPr sz="2268" b="1"/>
             </a:lvl1pPr>
-            <a:lvl2pPr marL="457200" indent="0">
-              <a:buNone/>
-              <a:defRPr sz="2000" b="1"/>
+            <a:lvl2pPr marL="432008" indent="0">
+              <a:buNone/>
+              <a:defRPr sz="1890" b="1"/>
             </a:lvl2pPr>
-            <a:lvl3pPr marL="914400" indent="0">
-              <a:buNone/>
-              <a:defRPr sz="1800" b="1"/>
+            <a:lvl3pPr marL="864017" indent="0">
+              <a:buNone/>
+              <a:defRPr sz="1701" b="1"/>
             </a:lvl3pPr>
-            <a:lvl4pPr marL="1371600" indent="0">
-              <a:buNone/>
-              <a:defRPr sz="1600" b="1"/>
+            <a:lvl4pPr marL="1296025" indent="0">
+              <a:buNone/>
+              <a:defRPr sz="1512" b="1"/>
             </a:lvl4pPr>
-            <a:lvl5pPr marL="1828800" indent="0">
-              <a:buNone/>
-              <a:defRPr sz="1600" b="1"/>
+            <a:lvl5pPr marL="1728033" indent="0">
+              <a:buNone/>
+              <a:defRPr sz="1512" b="1"/>
             </a:lvl5pPr>
-            <a:lvl6pPr marL="2286000" indent="0">
-              <a:buNone/>
-              <a:defRPr sz="1600" b="1"/>
+            <a:lvl6pPr marL="2160041" indent="0">
+              <a:buNone/>
+              <a:defRPr sz="1512" b="1"/>
             </a:lvl6pPr>
-            <a:lvl7pPr marL="2743200" indent="0">
-              <a:buNone/>
-              <a:defRPr sz="1600" b="1"/>
+            <a:lvl7pPr marL="2592050" indent="0">
+              <a:buNone/>
+              <a:defRPr sz="1512" b="1"/>
             </a:lvl7pPr>
-            <a:lvl8pPr marL="3200400" indent="0">
-              <a:buNone/>
-              <a:defRPr sz="1600" b="1"/>
+            <a:lvl8pPr marL="3024058" indent="0">
+              <a:buNone/>
+              <a:defRPr sz="1512" b="1"/>
             </a:lvl8pPr>
-            <a:lvl9pPr marL="3657600" indent="0">
-              <a:buNone/>
-              <a:defRPr sz="1600" b="1"/>
+            <a:lvl9pPr marL="3456066" indent="0">
+              <a:buNone/>
+              <a:defRPr sz="1512" b="1"/>
             </a:lvl9pPr>
           </a:lstStyle>
           <a:p>
@@ -1433,8 +1525,8 @@
         </p:nvSpPr>
         <p:spPr>
           <a:xfrm>
-            <a:off x="669535" y="2505075"/>
-            <a:ext cx="4112126" cy="3684588"/>
+            <a:off x="892713" y="2367064"/>
+            <a:ext cx="5482835" cy="3481594"/>
           </a:xfrm>
         </p:spPr>
         <p:txBody>
@@ -1490,8 +1582,8 @@
         </p:nvSpPr>
         <p:spPr>
           <a:xfrm>
-            <a:off x="4920884" y="1681163"/>
-            <a:ext cx="4132378" cy="823912"/>
+            <a:off x="6561177" y="1588543"/>
+            <a:ext cx="5509837" cy="778521"/>
           </a:xfrm>
         </p:spPr>
         <p:txBody>
@@ -1499,39 +1591,39 @@
           <a:lstStyle>
             <a:lvl1pPr marL="0" indent="0">
               <a:buNone/>
-              <a:defRPr sz="2400" b="1"/>
+              <a:defRPr sz="2268" b="1"/>
             </a:lvl1pPr>
-            <a:lvl2pPr marL="457200" indent="0">
-              <a:buNone/>
-              <a:defRPr sz="2000" b="1"/>
+            <a:lvl2pPr marL="432008" indent="0">
+              <a:buNone/>
+              <a:defRPr sz="1890" b="1"/>
             </a:lvl2pPr>
-            <a:lvl3pPr marL="914400" indent="0">
-              <a:buNone/>
-              <a:defRPr sz="1800" b="1"/>
+            <a:lvl3pPr marL="864017" indent="0">
+              <a:buNone/>
+              <a:defRPr sz="1701" b="1"/>
             </a:lvl3pPr>
-            <a:lvl4pPr marL="1371600" indent="0">
-              <a:buNone/>
-              <a:defRPr sz="1600" b="1"/>
+            <a:lvl4pPr marL="1296025" indent="0">
+              <a:buNone/>
+              <a:defRPr sz="1512" b="1"/>
             </a:lvl4pPr>
-            <a:lvl5pPr marL="1828800" indent="0">
-              <a:buNone/>
-              <a:defRPr sz="1600" b="1"/>
+            <a:lvl5pPr marL="1728033" indent="0">
+              <a:buNone/>
+              <a:defRPr sz="1512" b="1"/>
             </a:lvl5pPr>
-            <a:lvl6pPr marL="2286000" indent="0">
-              <a:buNone/>
-              <a:defRPr sz="1600" b="1"/>
+            <a:lvl6pPr marL="2160041" indent="0">
+              <a:buNone/>
+              <a:defRPr sz="1512" b="1"/>
             </a:lvl6pPr>
-            <a:lvl7pPr marL="2743200" indent="0">
-              <a:buNone/>
-              <a:defRPr sz="1600" b="1"/>
+            <a:lvl7pPr marL="2592050" indent="0">
+              <a:buNone/>
+              <a:defRPr sz="1512" b="1"/>
             </a:lvl7pPr>
-            <a:lvl8pPr marL="3200400" indent="0">
-              <a:buNone/>
-              <a:defRPr sz="1600" b="1"/>
+            <a:lvl8pPr marL="3024058" indent="0">
+              <a:buNone/>
+              <a:defRPr sz="1512" b="1"/>
             </a:lvl8pPr>
-            <a:lvl9pPr marL="3657600" indent="0">
-              <a:buNone/>
-              <a:defRPr sz="1600" b="1"/>
+            <a:lvl9pPr marL="3456066" indent="0">
+              <a:buNone/>
+              <a:defRPr sz="1512" b="1"/>
             </a:lvl9pPr>
           </a:lstStyle>
           <a:p>
@@ -1555,8 +1647,8 @@
         </p:nvSpPr>
         <p:spPr>
           <a:xfrm>
-            <a:off x="4920884" y="2505075"/>
-            <a:ext cx="4132378" cy="3684588"/>
+            <a:off x="6561177" y="2367064"/>
+            <a:ext cx="5509837" cy="3481594"/>
           </a:xfrm>
         </p:spPr>
         <p:txBody>
@@ -1615,9 +1707,15 @@
           <a:bodyPr/>
           <a:lstStyle/>
           <a:p>
-            <a:fld id="{B62D74DB-1ABB-EB42-8956-4C2DCB33C942}" type="datetimeFigureOut">
+            <a:pPr>
+              <a:defRPr/>
+            </a:pPr>
+            <a:fld id="{A435404B-D8E5-924C-8F9C-956FFA49429B}" type="datetimeFigureOut">
               <a:rPr lang="en-DE" smtClean="0"/>
-              <a:t>01.03.22</a:t>
+              <a:pPr>
+                <a:defRPr/>
+              </a:pPr>
+              <a:t>29.04.22</a:t>
             </a:fld>
             <a:endParaRPr lang="en-DE"/>
           </a:p>
@@ -1638,6 +1736,9 @@
           <a:bodyPr/>
           <a:lstStyle/>
           <a:p>
+            <a:pPr>
+              <a:defRPr/>
+            </a:pPr>
             <a:endParaRPr lang="en-DE"/>
           </a:p>
         </p:txBody>
@@ -1657,8 +1758,14 @@
           <a:bodyPr/>
           <a:lstStyle/>
           <a:p>
-            <a:fld id="{06A45A86-2DCD-0E42-A13D-7007D4DCAA84}" type="slidenum">
+            <a:pPr>
+              <a:defRPr/>
+            </a:pPr>
+            <a:fld id="{33FDA4D7-F934-D54B-9F9E-972006390E25}" type="slidenum">
               <a:rPr lang="en-DE" smtClean="0"/>
+              <a:pPr>
+                <a:defRPr/>
+              </a:pPr>
               <a:t>‹#›</a:t>
             </a:fld>
             <a:endParaRPr lang="en-DE"/>
@@ -1668,7 +1775,7 @@
     </p:spTree>
     <p:extLst>
       <p:ext uri="{BB962C8B-B14F-4D97-AF65-F5344CB8AC3E}">
-        <p14:creationId xmlns:p14="http://schemas.microsoft.com/office/powerpoint/2010/main" val="2740352266"/>
+        <p14:creationId xmlns:p14="http://schemas.microsoft.com/office/powerpoint/2010/main" val="3769263162"/>
       </p:ext>
     </p:extLst>
   </p:cSld>
@@ -1733,9 +1840,15 @@
           <a:bodyPr/>
           <a:lstStyle/>
           <a:p>
-            <a:fld id="{B62D74DB-1ABB-EB42-8956-4C2DCB33C942}" type="datetimeFigureOut">
+            <a:pPr>
+              <a:defRPr/>
+            </a:pPr>
+            <a:fld id="{CC719067-E356-8F42-9A88-B2274332F7B7}" type="datetimeFigureOut">
               <a:rPr lang="en-DE" smtClean="0"/>
-              <a:t>01.03.22</a:t>
+              <a:pPr>
+                <a:defRPr/>
+              </a:pPr>
+              <a:t>29.04.22</a:t>
             </a:fld>
             <a:endParaRPr lang="en-DE"/>
           </a:p>
@@ -1756,6 +1869,9 @@
           <a:bodyPr/>
           <a:lstStyle/>
           <a:p>
+            <a:pPr>
+              <a:defRPr/>
+            </a:pPr>
             <a:endParaRPr lang="en-DE"/>
           </a:p>
         </p:txBody>
@@ -1775,8 +1891,14 @@
           <a:bodyPr/>
           <a:lstStyle/>
           <a:p>
-            <a:fld id="{06A45A86-2DCD-0E42-A13D-7007D4DCAA84}" type="slidenum">
+            <a:pPr>
+              <a:defRPr/>
+            </a:pPr>
+            <a:fld id="{22FD1F68-47F3-B046-84B6-76575CEAE29D}" type="slidenum">
               <a:rPr lang="en-DE" smtClean="0"/>
+              <a:pPr>
+                <a:defRPr/>
+              </a:pPr>
               <a:t>‹#›</a:t>
             </a:fld>
             <a:endParaRPr lang="en-DE"/>
@@ -1786,7 +1908,7 @@
     </p:spTree>
     <p:extLst>
       <p:ext uri="{BB962C8B-B14F-4D97-AF65-F5344CB8AC3E}">
-        <p14:creationId xmlns:p14="http://schemas.microsoft.com/office/powerpoint/2010/main" val="1690179536"/>
+        <p14:creationId xmlns:p14="http://schemas.microsoft.com/office/powerpoint/2010/main" val="2233349840"/>
       </p:ext>
     </p:extLst>
   </p:cSld>
@@ -1828,9 +1950,15 @@
           <a:bodyPr/>
           <a:lstStyle/>
           <a:p>
-            <a:fld id="{B62D74DB-1ABB-EB42-8956-4C2DCB33C942}" type="datetimeFigureOut">
+            <a:pPr>
+              <a:defRPr/>
+            </a:pPr>
+            <a:fld id="{CA8C5F16-FC34-5541-A99C-663476D71DCA}" type="datetimeFigureOut">
               <a:rPr lang="en-DE" smtClean="0"/>
-              <a:t>01.03.22</a:t>
+              <a:pPr>
+                <a:defRPr/>
+              </a:pPr>
+              <a:t>29.04.22</a:t>
             </a:fld>
             <a:endParaRPr lang="en-DE"/>
           </a:p>
@@ -1851,6 +1979,9 @@
           <a:bodyPr/>
           <a:lstStyle/>
           <a:p>
+            <a:pPr>
+              <a:defRPr/>
+            </a:pPr>
             <a:endParaRPr lang="en-DE"/>
           </a:p>
         </p:txBody>
@@ -1870,8 +2001,14 @@
           <a:bodyPr/>
           <a:lstStyle/>
           <a:p>
-            <a:fld id="{06A45A86-2DCD-0E42-A13D-7007D4DCAA84}" type="slidenum">
+            <a:pPr>
+              <a:defRPr/>
+            </a:pPr>
+            <a:fld id="{3048B44D-DE9B-2B46-9978-56F5EF545226}" type="slidenum">
               <a:rPr lang="en-DE" smtClean="0"/>
+              <a:pPr>
+                <a:defRPr/>
+              </a:pPr>
               <a:t>‹#›</a:t>
             </a:fld>
             <a:endParaRPr lang="en-DE"/>
@@ -1881,7 +2018,7 @@
     </p:spTree>
     <p:extLst>
       <p:ext uri="{BB962C8B-B14F-4D97-AF65-F5344CB8AC3E}">
-        <p14:creationId xmlns:p14="http://schemas.microsoft.com/office/powerpoint/2010/main" val="3564709797"/>
+        <p14:creationId xmlns:p14="http://schemas.microsoft.com/office/powerpoint/2010/main" val="1094788265"/>
       </p:ext>
     </p:extLst>
   </p:cSld>
@@ -1920,15 +2057,15 @@
         </p:nvSpPr>
         <p:spPr>
           <a:xfrm>
-            <a:off x="669534" y="457200"/>
-            <a:ext cx="3135038" cy="1600200"/>
+            <a:off x="892713" y="432012"/>
+            <a:ext cx="4180050" cy="1512041"/>
           </a:xfrm>
         </p:spPr>
         <p:txBody>
           <a:bodyPr anchor="b"/>
           <a:lstStyle>
             <a:lvl1pPr>
-              <a:defRPr sz="3200"/>
+              <a:defRPr sz="3024"/>
             </a:lvl1pPr>
           </a:lstStyle>
           <a:p>
@@ -1952,39 +2089,39 @@
         </p:nvSpPr>
         <p:spPr>
           <a:xfrm>
-            <a:off x="4132378" y="987427"/>
-            <a:ext cx="4920883" cy="4873625"/>
+            <a:off x="5509837" y="933026"/>
+            <a:ext cx="6561177" cy="4605124"/>
           </a:xfrm>
         </p:spPr>
         <p:txBody>
           <a:bodyPr/>
           <a:lstStyle>
             <a:lvl1pPr>
-              <a:defRPr sz="3200"/>
+              <a:defRPr sz="3024"/>
             </a:lvl1pPr>
             <a:lvl2pPr>
-              <a:defRPr sz="2800"/>
+              <a:defRPr sz="2646"/>
             </a:lvl2pPr>
             <a:lvl3pPr>
-              <a:defRPr sz="2400"/>
+              <a:defRPr sz="2268"/>
             </a:lvl3pPr>
             <a:lvl4pPr>
-              <a:defRPr sz="2000"/>
+              <a:defRPr sz="1890"/>
             </a:lvl4pPr>
             <a:lvl5pPr>
-              <a:defRPr sz="2000"/>
+              <a:defRPr sz="1890"/>
             </a:lvl5pPr>
             <a:lvl6pPr>
-              <a:defRPr sz="2000"/>
+              <a:defRPr sz="1890"/>
             </a:lvl6pPr>
             <a:lvl7pPr>
-              <a:defRPr sz="2000"/>
+              <a:defRPr sz="1890"/>
             </a:lvl7pPr>
             <a:lvl8pPr>
-              <a:defRPr sz="2000"/>
+              <a:defRPr sz="1890"/>
             </a:lvl8pPr>
             <a:lvl9pPr>
-              <a:defRPr sz="2000"/>
+              <a:defRPr sz="1890"/>
             </a:lvl9pPr>
           </a:lstStyle>
           <a:p>
@@ -2037,8 +2174,8 @@
         </p:nvSpPr>
         <p:spPr>
           <a:xfrm>
-            <a:off x="669534" y="2057400"/>
-            <a:ext cx="3135038" cy="3811588"/>
+            <a:off x="892713" y="1944052"/>
+            <a:ext cx="4180050" cy="3601598"/>
           </a:xfrm>
         </p:spPr>
         <p:txBody>
@@ -2046,39 +2183,39 @@
           <a:lstStyle>
             <a:lvl1pPr marL="0" indent="0">
               <a:buNone/>
-              <a:defRPr sz="1600"/>
+              <a:defRPr sz="1512"/>
             </a:lvl1pPr>
-            <a:lvl2pPr marL="457200" indent="0">
-              <a:buNone/>
-              <a:defRPr sz="1400"/>
+            <a:lvl2pPr marL="432008" indent="0">
+              <a:buNone/>
+              <a:defRPr sz="1323"/>
             </a:lvl2pPr>
-            <a:lvl3pPr marL="914400" indent="0">
-              <a:buNone/>
-              <a:defRPr sz="1200"/>
+            <a:lvl3pPr marL="864017" indent="0">
+              <a:buNone/>
+              <a:defRPr sz="1134"/>
             </a:lvl3pPr>
-            <a:lvl4pPr marL="1371600" indent="0">
-              <a:buNone/>
-              <a:defRPr sz="1000"/>
+            <a:lvl4pPr marL="1296025" indent="0">
+              <a:buNone/>
+              <a:defRPr sz="945"/>
             </a:lvl4pPr>
-            <a:lvl5pPr marL="1828800" indent="0">
-              <a:buNone/>
-              <a:defRPr sz="1000"/>
+            <a:lvl5pPr marL="1728033" indent="0">
+              <a:buNone/>
+              <a:defRPr sz="945"/>
             </a:lvl5pPr>
-            <a:lvl6pPr marL="2286000" indent="0">
-              <a:buNone/>
-              <a:defRPr sz="1000"/>
+            <a:lvl6pPr marL="2160041" indent="0">
+              <a:buNone/>
+              <a:defRPr sz="945"/>
             </a:lvl6pPr>
-            <a:lvl7pPr marL="2743200" indent="0">
-              <a:buNone/>
-              <a:defRPr sz="1000"/>
+            <a:lvl7pPr marL="2592050" indent="0">
+              <a:buNone/>
+              <a:defRPr sz="945"/>
             </a:lvl7pPr>
-            <a:lvl8pPr marL="3200400" indent="0">
-              <a:buNone/>
-              <a:defRPr sz="1000"/>
+            <a:lvl8pPr marL="3024058" indent="0">
+              <a:buNone/>
+              <a:defRPr sz="945"/>
             </a:lvl8pPr>
-            <a:lvl9pPr marL="3657600" indent="0">
-              <a:buNone/>
-              <a:defRPr sz="1000"/>
+            <a:lvl9pPr marL="3456066" indent="0">
+              <a:buNone/>
+              <a:defRPr sz="945"/>
             </a:lvl9pPr>
           </a:lstStyle>
           <a:p>
@@ -2105,9 +2242,15 @@
           <a:bodyPr/>
           <a:lstStyle/>
           <a:p>
-            <a:fld id="{B62D74DB-1ABB-EB42-8956-4C2DCB33C942}" type="datetimeFigureOut">
+            <a:pPr>
+              <a:defRPr/>
+            </a:pPr>
+            <a:fld id="{CACAF902-8D06-A34E-82F1-EC5CF9ABA77B}" type="datetimeFigureOut">
               <a:rPr lang="en-DE" smtClean="0"/>
-              <a:t>01.03.22</a:t>
+              <a:pPr>
+                <a:defRPr/>
+              </a:pPr>
+              <a:t>29.04.22</a:t>
             </a:fld>
             <a:endParaRPr lang="en-DE"/>
           </a:p>
@@ -2128,6 +2271,9 @@
           <a:bodyPr/>
           <a:lstStyle/>
           <a:p>
+            <a:pPr>
+              <a:defRPr/>
+            </a:pPr>
             <a:endParaRPr lang="en-DE"/>
           </a:p>
         </p:txBody>
@@ -2147,8 +2293,14 @@
           <a:bodyPr/>
           <a:lstStyle/>
           <a:p>
-            <a:fld id="{06A45A86-2DCD-0E42-A13D-7007D4DCAA84}" type="slidenum">
+            <a:pPr>
+              <a:defRPr/>
+            </a:pPr>
+            <a:fld id="{7F08B04E-DCCF-3A45-90EA-B9447C75BEF6}" type="slidenum">
               <a:rPr lang="en-DE" smtClean="0"/>
+              <a:pPr>
+                <a:defRPr/>
+              </a:pPr>
               <a:t>‹#›</a:t>
             </a:fld>
             <a:endParaRPr lang="en-DE"/>
@@ -2158,7 +2310,7 @@
     </p:spTree>
     <p:extLst>
       <p:ext uri="{BB962C8B-B14F-4D97-AF65-F5344CB8AC3E}">
-        <p14:creationId xmlns:p14="http://schemas.microsoft.com/office/powerpoint/2010/main" val="3516548083"/>
+        <p14:creationId xmlns:p14="http://schemas.microsoft.com/office/powerpoint/2010/main" val="1970048133"/>
       </p:ext>
     </p:extLst>
   </p:cSld>
@@ -2197,15 +2349,15 @@
         </p:nvSpPr>
         <p:spPr>
           <a:xfrm>
-            <a:off x="669534" y="457200"/>
-            <a:ext cx="3135038" cy="1600200"/>
+            <a:off x="892713" y="432012"/>
+            <a:ext cx="4180050" cy="1512041"/>
           </a:xfrm>
         </p:spPr>
         <p:txBody>
           <a:bodyPr anchor="b"/>
           <a:lstStyle>
             <a:lvl1pPr>
-              <a:defRPr sz="3200"/>
+              <a:defRPr sz="3024"/>
             </a:lvl1pPr>
           </a:lstStyle>
           <a:p>
@@ -2229,8 +2381,8 @@
         </p:nvSpPr>
         <p:spPr>
           <a:xfrm>
-            <a:off x="4132378" y="987427"/>
-            <a:ext cx="4920883" cy="4873625"/>
+            <a:off x="5509837" y="933026"/>
+            <a:ext cx="6561177" cy="4605124"/>
           </a:xfrm>
         </p:spPr>
         <p:txBody>
@@ -2238,39 +2390,39 @@
           <a:lstStyle>
             <a:lvl1pPr marL="0" indent="0">
               <a:buNone/>
-              <a:defRPr sz="3200"/>
+              <a:defRPr sz="3024"/>
             </a:lvl1pPr>
-            <a:lvl2pPr marL="457200" indent="0">
-              <a:buNone/>
-              <a:defRPr sz="2800"/>
+            <a:lvl2pPr marL="432008" indent="0">
+              <a:buNone/>
+              <a:defRPr sz="2646"/>
             </a:lvl2pPr>
-            <a:lvl3pPr marL="914400" indent="0">
-              <a:buNone/>
-              <a:defRPr sz="2400"/>
+            <a:lvl3pPr marL="864017" indent="0">
+              <a:buNone/>
+              <a:defRPr sz="2268"/>
             </a:lvl3pPr>
-            <a:lvl4pPr marL="1371600" indent="0">
-              <a:buNone/>
-              <a:defRPr sz="2000"/>
+            <a:lvl4pPr marL="1296025" indent="0">
+              <a:buNone/>
+              <a:defRPr sz="1890"/>
             </a:lvl4pPr>
-            <a:lvl5pPr marL="1828800" indent="0">
-              <a:buNone/>
-              <a:defRPr sz="2000"/>
+            <a:lvl5pPr marL="1728033" indent="0">
+              <a:buNone/>
+              <a:defRPr sz="1890"/>
             </a:lvl5pPr>
-            <a:lvl6pPr marL="2286000" indent="0">
-              <a:buNone/>
-              <a:defRPr sz="2000"/>
+            <a:lvl6pPr marL="2160041" indent="0">
+              <a:buNone/>
+              <a:defRPr sz="1890"/>
             </a:lvl6pPr>
-            <a:lvl7pPr marL="2743200" indent="0">
-              <a:buNone/>
-              <a:defRPr sz="2000"/>
+            <a:lvl7pPr marL="2592050" indent="0">
+              <a:buNone/>
+              <a:defRPr sz="1890"/>
             </a:lvl7pPr>
-            <a:lvl8pPr marL="3200400" indent="0">
-              <a:buNone/>
-              <a:defRPr sz="2000"/>
+            <a:lvl8pPr marL="3024058" indent="0">
+              <a:buNone/>
+              <a:defRPr sz="1890"/>
             </a:lvl8pPr>
-            <a:lvl9pPr marL="3657600" indent="0">
-              <a:buNone/>
-              <a:defRPr sz="2000"/>
+            <a:lvl9pPr marL="3456066" indent="0">
+              <a:buNone/>
+              <a:defRPr sz="1890"/>
             </a:lvl9pPr>
           </a:lstStyle>
           <a:p>
@@ -2294,8 +2446,8 @@
         </p:nvSpPr>
         <p:spPr>
           <a:xfrm>
-            <a:off x="669534" y="2057400"/>
-            <a:ext cx="3135038" cy="3811588"/>
+            <a:off x="892713" y="1944052"/>
+            <a:ext cx="4180050" cy="3601598"/>
           </a:xfrm>
         </p:spPr>
         <p:txBody>
@@ -2303,39 +2455,39 @@
           <a:lstStyle>
             <a:lvl1pPr marL="0" indent="0">
               <a:buNone/>
-              <a:defRPr sz="1600"/>
+              <a:defRPr sz="1512"/>
             </a:lvl1pPr>
-            <a:lvl2pPr marL="457200" indent="0">
-              <a:buNone/>
-              <a:defRPr sz="1400"/>
+            <a:lvl2pPr marL="432008" indent="0">
+              <a:buNone/>
+              <a:defRPr sz="1323"/>
             </a:lvl2pPr>
-            <a:lvl3pPr marL="914400" indent="0">
-              <a:buNone/>
-              <a:defRPr sz="1200"/>
+            <a:lvl3pPr marL="864017" indent="0">
+              <a:buNone/>
+              <a:defRPr sz="1134"/>
             </a:lvl3pPr>
-            <a:lvl4pPr marL="1371600" indent="0">
-              <a:buNone/>
-              <a:defRPr sz="1000"/>
+            <a:lvl4pPr marL="1296025" indent="0">
+              <a:buNone/>
+              <a:defRPr sz="945"/>
             </a:lvl4pPr>
-            <a:lvl5pPr marL="1828800" indent="0">
-              <a:buNone/>
-              <a:defRPr sz="1000"/>
+            <a:lvl5pPr marL="1728033" indent="0">
+              <a:buNone/>
+              <a:defRPr sz="945"/>
             </a:lvl5pPr>
-            <a:lvl6pPr marL="2286000" indent="0">
-              <a:buNone/>
-              <a:defRPr sz="1000"/>
+            <a:lvl6pPr marL="2160041" indent="0">
+              <a:buNone/>
+              <a:defRPr sz="945"/>
             </a:lvl6pPr>
-            <a:lvl7pPr marL="2743200" indent="0">
-              <a:buNone/>
-              <a:defRPr sz="1000"/>
+            <a:lvl7pPr marL="2592050" indent="0">
+              <a:buNone/>
+              <a:defRPr sz="945"/>
             </a:lvl7pPr>
-            <a:lvl8pPr marL="3200400" indent="0">
-              <a:buNone/>
-              <a:defRPr sz="1000"/>
+            <a:lvl8pPr marL="3024058" indent="0">
+              <a:buNone/>
+              <a:defRPr sz="945"/>
             </a:lvl8pPr>
-            <a:lvl9pPr marL="3657600" indent="0">
-              <a:buNone/>
-              <a:defRPr sz="1000"/>
+            <a:lvl9pPr marL="3456066" indent="0">
+              <a:buNone/>
+              <a:defRPr sz="945"/>
             </a:lvl9pPr>
           </a:lstStyle>
           <a:p>
@@ -2362,9 +2514,15 @@
           <a:bodyPr/>
           <a:lstStyle/>
           <a:p>
-            <a:fld id="{B62D74DB-1ABB-EB42-8956-4C2DCB33C942}" type="datetimeFigureOut">
+            <a:pPr>
+              <a:defRPr/>
+            </a:pPr>
+            <a:fld id="{5498CE83-E174-DE42-92D2-92C348FFE687}" type="datetimeFigureOut">
               <a:rPr lang="en-DE" smtClean="0"/>
-              <a:t>01.03.22</a:t>
+              <a:pPr>
+                <a:defRPr/>
+              </a:pPr>
+              <a:t>29.04.22</a:t>
             </a:fld>
             <a:endParaRPr lang="en-DE"/>
           </a:p>
@@ -2385,6 +2543,9 @@
           <a:bodyPr/>
           <a:lstStyle/>
           <a:p>
+            <a:pPr>
+              <a:defRPr/>
+            </a:pPr>
             <a:endParaRPr lang="en-DE"/>
           </a:p>
         </p:txBody>
@@ -2404,8 +2565,14 @@
           <a:bodyPr/>
           <a:lstStyle/>
           <a:p>
-            <a:fld id="{06A45A86-2DCD-0E42-A13D-7007D4DCAA84}" type="slidenum">
+            <a:pPr>
+              <a:defRPr/>
+            </a:pPr>
+            <a:fld id="{E484C9A3-B507-2946-AE53-7DC0FDE8EA96}" type="slidenum">
               <a:rPr lang="en-DE" smtClean="0"/>
+              <a:pPr>
+                <a:defRPr/>
+              </a:pPr>
               <a:t>‹#›</a:t>
             </a:fld>
             <a:endParaRPr lang="en-DE"/>
@@ -2415,7 +2582,7 @@
     </p:spTree>
     <p:extLst>
       <p:ext uri="{BB962C8B-B14F-4D97-AF65-F5344CB8AC3E}">
-        <p14:creationId xmlns:p14="http://schemas.microsoft.com/office/powerpoint/2010/main" val="496271358"/>
+        <p14:creationId xmlns:p14="http://schemas.microsoft.com/office/powerpoint/2010/main" val="1843264197"/>
       </p:ext>
     </p:extLst>
   </p:cSld>
@@ -2459,8 +2626,8 @@
         </p:nvSpPr>
         <p:spPr>
           <a:xfrm>
-            <a:off x="668268" y="365127"/>
-            <a:ext cx="8383727" cy="1325563"/>
+            <a:off x="891024" y="345010"/>
+            <a:ext cx="11178302" cy="1252534"/>
           </a:xfrm>
           <a:prstGeom prst="rect">
             <a:avLst/>
@@ -2492,8 +2659,8 @@
         </p:nvSpPr>
         <p:spPr>
           <a:xfrm>
-            <a:off x="668268" y="1825625"/>
-            <a:ext cx="8383727" cy="4351338"/>
+            <a:off x="891024" y="1725046"/>
+            <a:ext cx="11178302" cy="4111612"/>
           </a:xfrm>
           <a:prstGeom prst="rect">
             <a:avLst/>
@@ -2554,8 +2721,8 @@
         </p:nvSpPr>
         <p:spPr>
           <a:xfrm>
-            <a:off x="668268" y="6356352"/>
-            <a:ext cx="2187059" cy="365125"/>
+            <a:off x="891024" y="6006163"/>
+            <a:ext cx="2916079" cy="345009"/>
           </a:xfrm>
           <a:prstGeom prst="rect">
             <a:avLst/>
@@ -2565,7 +2732,7 @@
           <a:bodyPr vert="horz" lIns="91440" tIns="45720" rIns="91440" bIns="45720" rtlCol="0" anchor="ctr"/>
           <a:lstStyle>
             <a:lvl1pPr algn="l">
-              <a:defRPr sz="1200">
+              <a:defRPr sz="1134">
                 <a:solidFill>
                   <a:schemeClr val="tx1">
                     <a:tint val="75000"/>
@@ -2575,9 +2742,15 @@
             </a:lvl1pPr>
           </a:lstStyle>
           <a:p>
-            <a:fld id="{B62D74DB-1ABB-EB42-8956-4C2DCB33C942}" type="datetimeFigureOut">
+            <a:pPr>
+              <a:defRPr/>
+            </a:pPr>
+            <a:fld id="{27B92440-CA05-C341-8B43-E61E6A510885}" type="datetimeFigureOut">
               <a:rPr lang="en-DE" smtClean="0"/>
-              <a:t>01.03.22</a:t>
+              <a:pPr>
+                <a:defRPr/>
+              </a:pPr>
+              <a:t>29.04.22</a:t>
             </a:fld>
             <a:endParaRPr lang="en-DE"/>
           </a:p>
@@ -2595,8 +2768,8 @@
         </p:nvSpPr>
         <p:spPr>
           <a:xfrm>
-            <a:off x="3219837" y="6356352"/>
-            <a:ext cx="3280589" cy="365125"/>
+            <a:off x="4293116" y="6006163"/>
+            <a:ext cx="4374118" cy="345009"/>
           </a:xfrm>
           <a:prstGeom prst="rect">
             <a:avLst/>
@@ -2606,7 +2779,7 @@
           <a:bodyPr vert="horz" lIns="91440" tIns="45720" rIns="91440" bIns="45720" rtlCol="0" anchor="ctr"/>
           <a:lstStyle>
             <a:lvl1pPr algn="ctr">
-              <a:defRPr sz="1200">
+              <a:defRPr sz="1134">
                 <a:solidFill>
                   <a:schemeClr val="tx1">
                     <a:tint val="75000"/>
@@ -2616,6 +2789,9 @@
             </a:lvl1pPr>
           </a:lstStyle>
           <a:p>
+            <a:pPr>
+              <a:defRPr/>
+            </a:pPr>
             <a:endParaRPr lang="en-DE"/>
           </a:p>
         </p:txBody>
@@ -2632,8 +2808,8 @@
         </p:nvSpPr>
         <p:spPr>
           <a:xfrm>
-            <a:off x="6864936" y="6356352"/>
-            <a:ext cx="2187059" cy="365125"/>
+            <a:off x="9153247" y="6006163"/>
+            <a:ext cx="2916079" cy="345009"/>
           </a:xfrm>
           <a:prstGeom prst="rect">
             <a:avLst/>
@@ -2643,7 +2819,7 @@
           <a:bodyPr vert="horz" lIns="91440" tIns="45720" rIns="91440" bIns="45720" rtlCol="0" anchor="ctr"/>
           <a:lstStyle>
             <a:lvl1pPr algn="r">
-              <a:defRPr sz="1200">
+              <a:defRPr sz="1134">
                 <a:solidFill>
                   <a:schemeClr val="tx1">
                     <a:tint val="75000"/>
@@ -2653,8 +2829,14 @@
             </a:lvl1pPr>
           </a:lstStyle>
           <a:p>
-            <a:fld id="{06A45A86-2DCD-0E42-A13D-7007D4DCAA84}" type="slidenum">
+            <a:pPr>
+              <a:defRPr/>
+            </a:pPr>
+            <a:fld id="{63B862E8-ECA1-DC4F-ACD4-015587432F57}" type="slidenum">
               <a:rPr lang="en-DE" smtClean="0"/>
+              <a:pPr>
+                <a:defRPr/>
+              </a:pPr>
               <a:t>‹#›</a:t>
             </a:fld>
             <a:endParaRPr lang="en-DE"/>
@@ -2664,27 +2846,27 @@
     </p:spTree>
     <p:extLst>
       <p:ext uri="{BB962C8B-B14F-4D97-AF65-F5344CB8AC3E}">
-        <p14:creationId xmlns:p14="http://schemas.microsoft.com/office/powerpoint/2010/main" val="2663703391"/>
+        <p14:creationId xmlns:p14="http://schemas.microsoft.com/office/powerpoint/2010/main" val="87000269"/>
       </p:ext>
     </p:extLst>
   </p:cSld>
   <p:clrMap bg1="lt1" tx1="dk1" bg2="lt2" tx2="dk2" accent1="accent1" accent2="accent2" accent3="accent3" accent4="accent4" accent5="accent5" accent6="accent6" hlink="hlink" folHlink="folHlink"/>
   <p:sldLayoutIdLst>
-    <p:sldLayoutId id="2147483673" r:id="rId1"/>
-    <p:sldLayoutId id="2147483674" r:id="rId2"/>
-    <p:sldLayoutId id="2147483675" r:id="rId3"/>
-    <p:sldLayoutId id="2147483676" r:id="rId4"/>
-    <p:sldLayoutId id="2147483677" r:id="rId5"/>
-    <p:sldLayoutId id="2147483678" r:id="rId6"/>
-    <p:sldLayoutId id="2147483679" r:id="rId7"/>
-    <p:sldLayoutId id="2147483680" r:id="rId8"/>
-    <p:sldLayoutId id="2147483681" r:id="rId9"/>
-    <p:sldLayoutId id="2147483682" r:id="rId10"/>
-    <p:sldLayoutId id="2147483683" r:id="rId11"/>
+    <p:sldLayoutId id="2147483769" r:id="rId1"/>
+    <p:sldLayoutId id="2147483770" r:id="rId2"/>
+    <p:sldLayoutId id="2147483771" r:id="rId3"/>
+    <p:sldLayoutId id="2147483772" r:id="rId4"/>
+    <p:sldLayoutId id="2147483773" r:id="rId5"/>
+    <p:sldLayoutId id="2147483774" r:id="rId6"/>
+    <p:sldLayoutId id="2147483775" r:id="rId7"/>
+    <p:sldLayoutId id="2147483776" r:id="rId8"/>
+    <p:sldLayoutId id="2147483777" r:id="rId9"/>
+    <p:sldLayoutId id="2147483778" r:id="rId10"/>
+    <p:sldLayoutId id="2147483779" r:id="rId11"/>
   </p:sldLayoutIdLst>
   <p:txStyles>
     <p:titleStyle>
-      <a:lvl1pPr algn="l" defTabSz="914400" rtl="0" eaLnBrk="1" latinLnBrk="0" hangingPunct="1">
+      <a:lvl1pPr algn="l" defTabSz="864017" rtl="0" eaLnBrk="1" latinLnBrk="0" hangingPunct="1">
         <a:lnSpc>
           <a:spcPct val="90000"/>
         </a:lnSpc>
@@ -2692,7 +2874,7 @@
           <a:spcPct val="0"/>
         </a:spcBef>
         <a:buNone/>
-        <a:defRPr sz="4400" kern="1200">
+        <a:defRPr sz="4158" kern="1200">
           <a:solidFill>
             <a:schemeClr val="tx1"/>
           </a:solidFill>
@@ -2703,16 +2885,16 @@
       </a:lvl1pPr>
     </p:titleStyle>
     <p:bodyStyle>
-      <a:lvl1pPr marL="228600" indent="-228600" algn="l" defTabSz="914400" rtl="0" eaLnBrk="1" latinLnBrk="0" hangingPunct="1">
+      <a:lvl1pPr marL="216004" indent="-216004" algn="l" defTabSz="864017" rtl="0" eaLnBrk="1" latinLnBrk="0" hangingPunct="1">
         <a:lnSpc>
           <a:spcPct val="90000"/>
         </a:lnSpc>
         <a:spcBef>
-          <a:spcPts val="1000"/>
+          <a:spcPts val="945"/>
         </a:spcBef>
         <a:buFont typeface="Arial" panose="020B0604020202020204" pitchFamily="34" charset="0"/>
         <a:buChar char="•"/>
-        <a:defRPr sz="2800" kern="1200">
+        <a:defRPr sz="2646" kern="1200">
           <a:solidFill>
             <a:schemeClr val="tx1"/>
           </a:solidFill>
@@ -2721,16 +2903,16 @@
           <a:cs typeface="+mn-cs"/>
         </a:defRPr>
       </a:lvl1pPr>
-      <a:lvl2pPr marL="685800" indent="-228600" algn="l" defTabSz="914400" rtl="0" eaLnBrk="1" latinLnBrk="0" hangingPunct="1">
+      <a:lvl2pPr marL="648012" indent="-216004" algn="l" defTabSz="864017" rtl="0" eaLnBrk="1" latinLnBrk="0" hangingPunct="1">
         <a:lnSpc>
           <a:spcPct val="90000"/>
         </a:lnSpc>
         <a:spcBef>
-          <a:spcPts val="500"/>
+          <a:spcPts val="472"/>
         </a:spcBef>
         <a:buFont typeface="Arial" panose="020B0604020202020204" pitchFamily="34" charset="0"/>
         <a:buChar char="•"/>
-        <a:defRPr sz="2400" kern="1200">
+        <a:defRPr sz="2268" kern="1200">
           <a:solidFill>
             <a:schemeClr val="tx1"/>
           </a:solidFill>
@@ -2739,16 +2921,16 @@
           <a:cs typeface="+mn-cs"/>
         </a:defRPr>
       </a:lvl2pPr>
-      <a:lvl3pPr marL="1143000" indent="-228600" algn="l" defTabSz="914400" rtl="0" eaLnBrk="1" latinLnBrk="0" hangingPunct="1">
+      <a:lvl3pPr marL="1080021" indent="-216004" algn="l" defTabSz="864017" rtl="0" eaLnBrk="1" latinLnBrk="0" hangingPunct="1">
         <a:lnSpc>
           <a:spcPct val="90000"/>
         </a:lnSpc>
         <a:spcBef>
-          <a:spcPts val="500"/>
+          <a:spcPts val="472"/>
         </a:spcBef>
         <a:buFont typeface="Arial" panose="020B0604020202020204" pitchFamily="34" charset="0"/>
         <a:buChar char="•"/>
-        <a:defRPr sz="2000" kern="1200">
+        <a:defRPr sz="1890" kern="1200">
           <a:solidFill>
             <a:schemeClr val="tx1"/>
           </a:solidFill>
@@ -2757,16 +2939,16 @@
           <a:cs typeface="+mn-cs"/>
         </a:defRPr>
       </a:lvl3pPr>
-      <a:lvl4pPr marL="1600200" indent="-228600" algn="l" defTabSz="914400" rtl="0" eaLnBrk="1" latinLnBrk="0" hangingPunct="1">
+      <a:lvl4pPr marL="1512029" indent="-216004" algn="l" defTabSz="864017" rtl="0" eaLnBrk="1" latinLnBrk="0" hangingPunct="1">
         <a:lnSpc>
           <a:spcPct val="90000"/>
         </a:lnSpc>
         <a:spcBef>
-          <a:spcPts val="500"/>
+          <a:spcPts val="472"/>
         </a:spcBef>
         <a:buFont typeface="Arial" panose="020B0604020202020204" pitchFamily="34" charset="0"/>
         <a:buChar char="•"/>
-        <a:defRPr sz="1800" kern="1200">
+        <a:defRPr sz="1701" kern="1200">
           <a:solidFill>
             <a:schemeClr val="tx1"/>
           </a:solidFill>
@@ -2775,16 +2957,16 @@
           <a:cs typeface="+mn-cs"/>
         </a:defRPr>
       </a:lvl4pPr>
-      <a:lvl5pPr marL="2057400" indent="-228600" algn="l" defTabSz="914400" rtl="0" eaLnBrk="1" latinLnBrk="0" hangingPunct="1">
+      <a:lvl5pPr marL="1944037" indent="-216004" algn="l" defTabSz="864017" rtl="0" eaLnBrk="1" latinLnBrk="0" hangingPunct="1">
         <a:lnSpc>
           <a:spcPct val="90000"/>
         </a:lnSpc>
         <a:spcBef>
-          <a:spcPts val="500"/>
+          <a:spcPts val="472"/>
         </a:spcBef>
         <a:buFont typeface="Arial" panose="020B0604020202020204" pitchFamily="34" charset="0"/>
         <a:buChar char="•"/>
-        <a:defRPr sz="1800" kern="1200">
+        <a:defRPr sz="1701" kern="1200">
           <a:solidFill>
             <a:schemeClr val="tx1"/>
           </a:solidFill>
@@ -2793,16 +2975,16 @@
           <a:cs typeface="+mn-cs"/>
         </a:defRPr>
       </a:lvl5pPr>
-      <a:lvl6pPr marL="2514600" indent="-228600" algn="l" defTabSz="914400" rtl="0" eaLnBrk="1" latinLnBrk="0" hangingPunct="1">
+      <a:lvl6pPr marL="2376046" indent="-216004" algn="l" defTabSz="864017" rtl="0" eaLnBrk="1" latinLnBrk="0" hangingPunct="1">
         <a:lnSpc>
           <a:spcPct val="90000"/>
         </a:lnSpc>
         <a:spcBef>
-          <a:spcPts val="500"/>
+          <a:spcPts val="472"/>
         </a:spcBef>
         <a:buFont typeface="Arial" panose="020B0604020202020204" pitchFamily="34" charset="0"/>
         <a:buChar char="•"/>
-        <a:defRPr sz="1800" kern="1200">
+        <a:defRPr sz="1701" kern="1200">
           <a:solidFill>
             <a:schemeClr val="tx1"/>
           </a:solidFill>
@@ -2811,16 +2993,16 @@
           <a:cs typeface="+mn-cs"/>
         </a:defRPr>
       </a:lvl6pPr>
-      <a:lvl7pPr marL="2971800" indent="-228600" algn="l" defTabSz="914400" rtl="0" eaLnBrk="1" latinLnBrk="0" hangingPunct="1">
+      <a:lvl7pPr marL="2808054" indent="-216004" algn="l" defTabSz="864017" rtl="0" eaLnBrk="1" latinLnBrk="0" hangingPunct="1">
         <a:lnSpc>
           <a:spcPct val="90000"/>
         </a:lnSpc>
         <a:spcBef>
-          <a:spcPts val="500"/>
+          <a:spcPts val="472"/>
         </a:spcBef>
         <a:buFont typeface="Arial" panose="020B0604020202020204" pitchFamily="34" charset="0"/>
         <a:buChar char="•"/>
-        <a:defRPr sz="1800" kern="1200">
+        <a:defRPr sz="1701" kern="1200">
           <a:solidFill>
             <a:schemeClr val="tx1"/>
           </a:solidFill>
@@ -2829,16 +3011,16 @@
           <a:cs typeface="+mn-cs"/>
         </a:defRPr>
       </a:lvl7pPr>
-      <a:lvl8pPr marL="3429000" indent="-228600" algn="l" defTabSz="914400" rtl="0" eaLnBrk="1" latinLnBrk="0" hangingPunct="1">
+      <a:lvl8pPr marL="3240062" indent="-216004" algn="l" defTabSz="864017" rtl="0" eaLnBrk="1" latinLnBrk="0" hangingPunct="1">
         <a:lnSpc>
           <a:spcPct val="90000"/>
         </a:lnSpc>
         <a:spcBef>
-          <a:spcPts val="500"/>
+          <a:spcPts val="472"/>
         </a:spcBef>
         <a:buFont typeface="Arial" panose="020B0604020202020204" pitchFamily="34" charset="0"/>
         <a:buChar char="•"/>
-        <a:defRPr sz="1800" kern="1200">
+        <a:defRPr sz="1701" kern="1200">
           <a:solidFill>
             <a:schemeClr val="tx1"/>
           </a:solidFill>
@@ -2847,16 +3029,16 @@
           <a:cs typeface="+mn-cs"/>
         </a:defRPr>
       </a:lvl8pPr>
-      <a:lvl9pPr marL="3886200" indent="-228600" algn="l" defTabSz="914400" rtl="0" eaLnBrk="1" latinLnBrk="0" hangingPunct="1">
+      <a:lvl9pPr marL="3672070" indent="-216004" algn="l" defTabSz="864017" rtl="0" eaLnBrk="1" latinLnBrk="0" hangingPunct="1">
         <a:lnSpc>
           <a:spcPct val="90000"/>
         </a:lnSpc>
         <a:spcBef>
-          <a:spcPts val="500"/>
+          <a:spcPts val="472"/>
         </a:spcBef>
         <a:buFont typeface="Arial" panose="020B0604020202020204" pitchFamily="34" charset="0"/>
         <a:buChar char="•"/>
-        <a:defRPr sz="1800" kern="1200">
+        <a:defRPr sz="1701" kern="1200">
           <a:solidFill>
             <a:schemeClr val="tx1"/>
           </a:solidFill>
@@ -2870,8 +3052,8 @@
       <a:defPPr>
         <a:defRPr lang="en-US"/>
       </a:defPPr>
-      <a:lvl1pPr marL="0" algn="l" defTabSz="914400" rtl="0" eaLnBrk="1" latinLnBrk="0" hangingPunct="1">
-        <a:defRPr sz="1800" kern="1200">
+      <a:lvl1pPr marL="0" algn="l" defTabSz="864017" rtl="0" eaLnBrk="1" latinLnBrk="0" hangingPunct="1">
+        <a:defRPr sz="1701" kern="1200">
           <a:solidFill>
             <a:schemeClr val="tx1"/>
           </a:solidFill>
@@ -2880,8 +3062,8 @@
           <a:cs typeface="+mn-cs"/>
         </a:defRPr>
       </a:lvl1pPr>
-      <a:lvl2pPr marL="457200" algn="l" defTabSz="914400" rtl="0" eaLnBrk="1" latinLnBrk="0" hangingPunct="1">
-        <a:defRPr sz="1800" kern="1200">
+      <a:lvl2pPr marL="432008" algn="l" defTabSz="864017" rtl="0" eaLnBrk="1" latinLnBrk="0" hangingPunct="1">
+        <a:defRPr sz="1701" kern="1200">
           <a:solidFill>
             <a:schemeClr val="tx1"/>
           </a:solidFill>
@@ -2890,8 +3072,8 @@
           <a:cs typeface="+mn-cs"/>
         </a:defRPr>
       </a:lvl2pPr>
-      <a:lvl3pPr marL="914400" algn="l" defTabSz="914400" rtl="0" eaLnBrk="1" latinLnBrk="0" hangingPunct="1">
-        <a:defRPr sz="1800" kern="1200">
+      <a:lvl3pPr marL="864017" algn="l" defTabSz="864017" rtl="0" eaLnBrk="1" latinLnBrk="0" hangingPunct="1">
+        <a:defRPr sz="1701" kern="1200">
           <a:solidFill>
             <a:schemeClr val="tx1"/>
           </a:solidFill>
@@ -2900,8 +3082,8 @@
           <a:cs typeface="+mn-cs"/>
         </a:defRPr>
       </a:lvl3pPr>
-      <a:lvl4pPr marL="1371600" algn="l" defTabSz="914400" rtl="0" eaLnBrk="1" latinLnBrk="0" hangingPunct="1">
-        <a:defRPr sz="1800" kern="1200">
+      <a:lvl4pPr marL="1296025" algn="l" defTabSz="864017" rtl="0" eaLnBrk="1" latinLnBrk="0" hangingPunct="1">
+        <a:defRPr sz="1701" kern="1200">
           <a:solidFill>
             <a:schemeClr val="tx1"/>
           </a:solidFill>
@@ -2910,8 +3092,8 @@
           <a:cs typeface="+mn-cs"/>
         </a:defRPr>
       </a:lvl4pPr>
-      <a:lvl5pPr marL="1828800" algn="l" defTabSz="914400" rtl="0" eaLnBrk="1" latinLnBrk="0" hangingPunct="1">
-        <a:defRPr sz="1800" kern="1200">
+      <a:lvl5pPr marL="1728033" algn="l" defTabSz="864017" rtl="0" eaLnBrk="1" latinLnBrk="0" hangingPunct="1">
+        <a:defRPr sz="1701" kern="1200">
           <a:solidFill>
             <a:schemeClr val="tx1"/>
           </a:solidFill>
@@ -2920,8 +3102,8 @@
           <a:cs typeface="+mn-cs"/>
         </a:defRPr>
       </a:lvl5pPr>
-      <a:lvl6pPr marL="2286000" algn="l" defTabSz="914400" rtl="0" eaLnBrk="1" latinLnBrk="0" hangingPunct="1">
-        <a:defRPr sz="1800" kern="1200">
+      <a:lvl6pPr marL="2160041" algn="l" defTabSz="864017" rtl="0" eaLnBrk="1" latinLnBrk="0" hangingPunct="1">
+        <a:defRPr sz="1701" kern="1200">
           <a:solidFill>
             <a:schemeClr val="tx1"/>
           </a:solidFill>
@@ -2930,8 +3112,8 @@
           <a:cs typeface="+mn-cs"/>
         </a:defRPr>
       </a:lvl6pPr>
-      <a:lvl7pPr marL="2743200" algn="l" defTabSz="914400" rtl="0" eaLnBrk="1" latinLnBrk="0" hangingPunct="1">
-        <a:defRPr sz="1800" kern="1200">
+      <a:lvl7pPr marL="2592050" algn="l" defTabSz="864017" rtl="0" eaLnBrk="1" latinLnBrk="0" hangingPunct="1">
+        <a:defRPr sz="1701" kern="1200">
           <a:solidFill>
             <a:schemeClr val="tx1"/>
           </a:solidFill>
@@ -2940,8 +3122,8 @@
           <a:cs typeface="+mn-cs"/>
         </a:defRPr>
       </a:lvl7pPr>
-      <a:lvl8pPr marL="3200400" algn="l" defTabSz="914400" rtl="0" eaLnBrk="1" latinLnBrk="0" hangingPunct="1">
-        <a:defRPr sz="1800" kern="1200">
+      <a:lvl8pPr marL="3024058" algn="l" defTabSz="864017" rtl="0" eaLnBrk="1" latinLnBrk="0" hangingPunct="1">
+        <a:defRPr sz="1701" kern="1200">
           <a:solidFill>
             <a:schemeClr val="tx1"/>
           </a:solidFill>
@@ -2950,8 +3132,8 @@
           <a:cs typeface="+mn-cs"/>
         </a:defRPr>
       </a:lvl8pPr>
-      <a:lvl9pPr marL="3657600" algn="l" defTabSz="914400" rtl="0" eaLnBrk="1" latinLnBrk="0" hangingPunct="1">
-        <a:defRPr sz="1800" kern="1200">
+      <a:lvl9pPr marL="3456066" algn="l" defTabSz="864017" rtl="0" eaLnBrk="1" latinLnBrk="0" hangingPunct="1">
+        <a:defRPr sz="1701" kern="1200">
           <a:solidFill>
             <a:schemeClr val="tx1"/>
           </a:solidFill>
@@ -2982,12 +3164,332 @@
           <a:chExt cx="0" cy="0"/>
         </a:xfrm>
       </p:grpSpPr>
+      <p:sp>
+        <p:nvSpPr>
+          <p:cNvPr id="10" name="TextBox 4">
+            <a:extLst>
+              <a:ext uri="{FF2B5EF4-FFF2-40B4-BE49-F238E27FC236}">
+                <a16:creationId xmlns:a16="http://schemas.microsoft.com/office/drawing/2014/main" id="{156DC5B1-528B-A74D-9A43-203DFC8C8917}"/>
+              </a:ext>
+            </a:extLst>
+          </p:cNvPr>
+          <p:cNvSpPr txBox="1">
+            <a:spLocks noChangeArrowheads="1"/>
+          </p:cNvSpPr>
+          <p:nvPr/>
+        </p:nvSpPr>
+        <p:spPr bwMode="auto">
+          <a:xfrm>
+            <a:off x="80210" y="-8597"/>
+            <a:ext cx="312562" cy="461665"/>
+          </a:xfrm>
+          <a:prstGeom prst="rect">
+            <a:avLst/>
+          </a:prstGeom>
+          <a:noFill/>
+          <a:ln>
+            <a:noFill/>
+          </a:ln>
+          <a:extLst>
+            <a:ext uri="{909E8E84-426E-40DD-AFC4-6F175D3DCCD1}">
+              <a14:hiddenFill xmlns:a14="http://schemas.microsoft.com/office/drawing/2010/main">
+                <a:solidFill>
+                  <a:srgbClr val="FFFFFF"/>
+                </a:solidFill>
+              </a14:hiddenFill>
+            </a:ext>
+            <a:ext uri="{91240B29-F687-4F45-9708-019B960494DF}">
+              <a14:hiddenLine xmlns:a14="http://schemas.microsoft.com/office/drawing/2010/main" w="9525">
+                <a:solidFill>
+                  <a:srgbClr val="000000"/>
+                </a:solidFill>
+                <a:miter lim="800000"/>
+                <a:headEnd/>
+                <a:tailEnd/>
+              </a14:hiddenLine>
+            </a:ext>
+          </a:extLst>
+        </p:spPr>
+        <p:txBody>
+          <a:bodyPr wrap="square">
+            <a:spAutoFit/>
+          </a:bodyPr>
+          <a:lstStyle>
+            <a:lvl1pPr>
+              <a:defRPr>
+                <a:solidFill>
+                  <a:schemeClr val="tx1"/>
+                </a:solidFill>
+                <a:latin typeface="Calibri" panose="020F0502020204030204" pitchFamily="34" charset="0"/>
+              </a:defRPr>
+            </a:lvl1pPr>
+            <a:lvl2pPr marL="742950" indent="-285750">
+              <a:defRPr>
+                <a:solidFill>
+                  <a:schemeClr val="tx1"/>
+                </a:solidFill>
+                <a:latin typeface="Calibri" panose="020F0502020204030204" pitchFamily="34" charset="0"/>
+              </a:defRPr>
+            </a:lvl2pPr>
+            <a:lvl3pPr marL="1143000" indent="-228600">
+              <a:defRPr>
+                <a:solidFill>
+                  <a:schemeClr val="tx1"/>
+                </a:solidFill>
+                <a:latin typeface="Calibri" panose="020F0502020204030204" pitchFamily="34" charset="0"/>
+              </a:defRPr>
+            </a:lvl3pPr>
+            <a:lvl4pPr marL="1600200" indent="-228600">
+              <a:defRPr>
+                <a:solidFill>
+                  <a:schemeClr val="tx1"/>
+                </a:solidFill>
+                <a:latin typeface="Calibri" panose="020F0502020204030204" pitchFamily="34" charset="0"/>
+              </a:defRPr>
+            </a:lvl4pPr>
+            <a:lvl5pPr marL="2057400" indent="-228600">
+              <a:defRPr>
+                <a:solidFill>
+                  <a:schemeClr val="tx1"/>
+                </a:solidFill>
+                <a:latin typeface="Calibri" panose="020F0502020204030204" pitchFamily="34" charset="0"/>
+              </a:defRPr>
+            </a:lvl5pPr>
+            <a:lvl6pPr marL="2514600" indent="-228600" defTabSz="457200" eaLnBrk="0" fontAlgn="base" hangingPunct="0">
+              <a:spcBef>
+                <a:spcPct val="0"/>
+              </a:spcBef>
+              <a:spcAft>
+                <a:spcPct val="0"/>
+              </a:spcAft>
+              <a:defRPr>
+                <a:solidFill>
+                  <a:schemeClr val="tx1"/>
+                </a:solidFill>
+                <a:latin typeface="Calibri" panose="020F0502020204030204" pitchFamily="34" charset="0"/>
+              </a:defRPr>
+            </a:lvl6pPr>
+            <a:lvl7pPr marL="2971800" indent="-228600" defTabSz="457200" eaLnBrk="0" fontAlgn="base" hangingPunct="0">
+              <a:spcBef>
+                <a:spcPct val="0"/>
+              </a:spcBef>
+              <a:spcAft>
+                <a:spcPct val="0"/>
+              </a:spcAft>
+              <a:defRPr>
+                <a:solidFill>
+                  <a:schemeClr val="tx1"/>
+                </a:solidFill>
+                <a:latin typeface="Calibri" panose="020F0502020204030204" pitchFamily="34" charset="0"/>
+              </a:defRPr>
+            </a:lvl7pPr>
+            <a:lvl8pPr marL="3429000" indent="-228600" defTabSz="457200" eaLnBrk="0" fontAlgn="base" hangingPunct="0">
+              <a:spcBef>
+                <a:spcPct val="0"/>
+              </a:spcBef>
+              <a:spcAft>
+                <a:spcPct val="0"/>
+              </a:spcAft>
+              <a:defRPr>
+                <a:solidFill>
+                  <a:schemeClr val="tx1"/>
+                </a:solidFill>
+                <a:latin typeface="Calibri" panose="020F0502020204030204" pitchFamily="34" charset="0"/>
+              </a:defRPr>
+            </a:lvl8pPr>
+            <a:lvl9pPr marL="3886200" indent="-228600" defTabSz="457200" eaLnBrk="0" fontAlgn="base" hangingPunct="0">
+              <a:spcBef>
+                <a:spcPct val="0"/>
+              </a:spcBef>
+              <a:spcAft>
+                <a:spcPct val="0"/>
+              </a:spcAft>
+              <a:defRPr>
+                <a:solidFill>
+                  <a:schemeClr val="tx1"/>
+                </a:solidFill>
+                <a:latin typeface="Calibri" panose="020F0502020204030204" pitchFamily="34" charset="0"/>
+              </a:defRPr>
+            </a:lvl9pPr>
+          </a:lstStyle>
+          <a:p>
+            <a:pPr algn="ctr" eaLnBrk="1" hangingPunct="1"/>
+            <a:r>
+              <a:rPr lang="en-DE" altLang="en-DE" sz="2400" b="1" dirty="0">
+                <a:latin typeface="Arial" panose="020B0604020202020204" pitchFamily="34" charset="0"/>
+                <a:cs typeface="Arial" panose="020B0604020202020204" pitchFamily="34" charset="0"/>
+              </a:rPr>
+              <a:t>A</a:t>
+            </a:r>
+          </a:p>
+        </p:txBody>
+      </p:sp>
+      <p:sp>
+        <p:nvSpPr>
+          <p:cNvPr id="11" name="TextBox 4">
+            <a:extLst>
+              <a:ext uri="{FF2B5EF4-FFF2-40B4-BE49-F238E27FC236}">
+                <a16:creationId xmlns:a16="http://schemas.microsoft.com/office/drawing/2014/main" id="{C65D8EE6-7054-164A-832B-92977C776B64}"/>
+              </a:ext>
+            </a:extLst>
+          </p:cNvPr>
+          <p:cNvSpPr txBox="1">
+            <a:spLocks noChangeArrowheads="1"/>
+          </p:cNvSpPr>
+          <p:nvPr/>
+        </p:nvSpPr>
+        <p:spPr bwMode="auto">
+          <a:xfrm>
+            <a:off x="3063782" y="-8597"/>
+            <a:ext cx="477710" cy="461665"/>
+          </a:xfrm>
+          <a:prstGeom prst="rect">
+            <a:avLst/>
+          </a:prstGeom>
+          <a:noFill/>
+          <a:ln>
+            <a:noFill/>
+          </a:ln>
+          <a:extLst>
+            <a:ext uri="{909E8E84-426E-40DD-AFC4-6F175D3DCCD1}">
+              <a14:hiddenFill xmlns:a14="http://schemas.microsoft.com/office/drawing/2010/main">
+                <a:solidFill>
+                  <a:srgbClr val="FFFFFF"/>
+                </a:solidFill>
+              </a14:hiddenFill>
+            </a:ext>
+            <a:ext uri="{91240B29-F687-4F45-9708-019B960494DF}">
+              <a14:hiddenLine xmlns:a14="http://schemas.microsoft.com/office/drawing/2010/main" w="9525">
+                <a:solidFill>
+                  <a:srgbClr val="000000"/>
+                </a:solidFill>
+                <a:miter lim="800000"/>
+                <a:headEnd/>
+                <a:tailEnd/>
+              </a14:hiddenLine>
+            </a:ext>
+          </a:extLst>
+        </p:spPr>
+        <p:txBody>
+          <a:bodyPr wrap="square">
+            <a:spAutoFit/>
+          </a:bodyPr>
+          <a:lstStyle>
+            <a:lvl1pPr>
+              <a:defRPr>
+                <a:solidFill>
+                  <a:schemeClr val="tx1"/>
+                </a:solidFill>
+                <a:latin typeface="Calibri" panose="020F0502020204030204" pitchFamily="34" charset="0"/>
+              </a:defRPr>
+            </a:lvl1pPr>
+            <a:lvl2pPr marL="742950" indent="-285750">
+              <a:defRPr>
+                <a:solidFill>
+                  <a:schemeClr val="tx1"/>
+                </a:solidFill>
+                <a:latin typeface="Calibri" panose="020F0502020204030204" pitchFamily="34" charset="0"/>
+              </a:defRPr>
+            </a:lvl2pPr>
+            <a:lvl3pPr marL="1143000" indent="-228600">
+              <a:defRPr>
+                <a:solidFill>
+                  <a:schemeClr val="tx1"/>
+                </a:solidFill>
+                <a:latin typeface="Calibri" panose="020F0502020204030204" pitchFamily="34" charset="0"/>
+              </a:defRPr>
+            </a:lvl3pPr>
+            <a:lvl4pPr marL="1600200" indent="-228600">
+              <a:defRPr>
+                <a:solidFill>
+                  <a:schemeClr val="tx1"/>
+                </a:solidFill>
+                <a:latin typeface="Calibri" panose="020F0502020204030204" pitchFamily="34" charset="0"/>
+              </a:defRPr>
+            </a:lvl4pPr>
+            <a:lvl5pPr marL="2057400" indent="-228600">
+              <a:defRPr>
+                <a:solidFill>
+                  <a:schemeClr val="tx1"/>
+                </a:solidFill>
+                <a:latin typeface="Calibri" panose="020F0502020204030204" pitchFamily="34" charset="0"/>
+              </a:defRPr>
+            </a:lvl5pPr>
+            <a:lvl6pPr marL="2514600" indent="-228600" defTabSz="457200" eaLnBrk="0" fontAlgn="base" hangingPunct="0">
+              <a:spcBef>
+                <a:spcPct val="0"/>
+              </a:spcBef>
+              <a:spcAft>
+                <a:spcPct val="0"/>
+              </a:spcAft>
+              <a:defRPr>
+                <a:solidFill>
+                  <a:schemeClr val="tx1"/>
+                </a:solidFill>
+                <a:latin typeface="Calibri" panose="020F0502020204030204" pitchFamily="34" charset="0"/>
+              </a:defRPr>
+            </a:lvl6pPr>
+            <a:lvl7pPr marL="2971800" indent="-228600" defTabSz="457200" eaLnBrk="0" fontAlgn="base" hangingPunct="0">
+              <a:spcBef>
+                <a:spcPct val="0"/>
+              </a:spcBef>
+              <a:spcAft>
+                <a:spcPct val="0"/>
+              </a:spcAft>
+              <a:defRPr>
+                <a:solidFill>
+                  <a:schemeClr val="tx1"/>
+                </a:solidFill>
+                <a:latin typeface="Calibri" panose="020F0502020204030204" pitchFamily="34" charset="0"/>
+              </a:defRPr>
+            </a:lvl7pPr>
+            <a:lvl8pPr marL="3429000" indent="-228600" defTabSz="457200" eaLnBrk="0" fontAlgn="base" hangingPunct="0">
+              <a:spcBef>
+                <a:spcPct val="0"/>
+              </a:spcBef>
+              <a:spcAft>
+                <a:spcPct val="0"/>
+              </a:spcAft>
+              <a:defRPr>
+                <a:solidFill>
+                  <a:schemeClr val="tx1"/>
+                </a:solidFill>
+                <a:latin typeface="Calibri" panose="020F0502020204030204" pitchFamily="34" charset="0"/>
+              </a:defRPr>
+            </a:lvl8pPr>
+            <a:lvl9pPr marL="3886200" indent="-228600" defTabSz="457200" eaLnBrk="0" fontAlgn="base" hangingPunct="0">
+              <a:spcBef>
+                <a:spcPct val="0"/>
+              </a:spcBef>
+              <a:spcAft>
+                <a:spcPct val="0"/>
+              </a:spcAft>
+              <a:defRPr>
+                <a:solidFill>
+                  <a:schemeClr val="tx1"/>
+                </a:solidFill>
+                <a:latin typeface="Calibri" panose="020F0502020204030204" pitchFamily="34" charset="0"/>
+              </a:defRPr>
+            </a:lvl9pPr>
+          </a:lstStyle>
+          <a:p>
+            <a:pPr algn="ctr" eaLnBrk="1" hangingPunct="1"/>
+            <a:r>
+              <a:rPr lang="en-DE" altLang="en-DE" sz="2400" b="1" dirty="0">
+                <a:latin typeface="Arial" panose="020B0604020202020204" pitchFamily="34" charset="0"/>
+                <a:cs typeface="Arial" panose="020B0604020202020204" pitchFamily="34" charset="0"/>
+              </a:rPr>
+              <a:t>B</a:t>
+            </a:r>
+          </a:p>
+        </p:txBody>
+      </p:sp>
       <p:pic>
         <p:nvPicPr>
-          <p:cNvPr id="5" name="Picture 4">
+          <p:cNvPr id="6" name="Picture 5">
             <a:extLst>
               <a:ext uri="{FF2B5EF4-FFF2-40B4-BE49-F238E27FC236}">
-                <a16:creationId xmlns:a16="http://schemas.microsoft.com/office/drawing/2014/main" id="{CD80A862-3F39-C24B-BDA6-B89851F48FA9}"/>
+                <a16:creationId xmlns:a16="http://schemas.microsoft.com/office/drawing/2014/main" id="{F183C210-E670-6A1C-CE19-2181A3A7EFDA}"/>
               </a:ext>
             </a:extLst>
           </p:cNvPr>
@@ -2998,14 +3500,13 @@
         </p:nvPicPr>
         <p:blipFill>
           <a:blip r:embed="rId2"/>
-          <a:stretch>
-            <a:fillRect/>
-          </a:stretch>
+          <a:srcRect/>
+          <a:stretch/>
         </p:blipFill>
         <p:spPr>
           <a:xfrm>
-            <a:off x="317804" y="94674"/>
-            <a:ext cx="6763326" cy="6763326"/>
+            <a:off x="486905" y="50056"/>
+            <a:ext cx="2482743" cy="6380286"/>
           </a:xfrm>
           <a:prstGeom prst="rect">
             <a:avLst/>
@@ -3014,10 +3515,10 @@
       </p:pic>
       <p:pic>
         <p:nvPicPr>
-          <p:cNvPr id="7" name="Picture 6">
+          <p:cNvPr id="12" name="Picture 11">
             <a:extLst>
               <a:ext uri="{FF2B5EF4-FFF2-40B4-BE49-F238E27FC236}">
-                <a16:creationId xmlns:a16="http://schemas.microsoft.com/office/drawing/2014/main" id="{0B5D41C9-B3F8-3D40-A769-3B9F9BA493E7}"/>
+                <a16:creationId xmlns:a16="http://schemas.microsoft.com/office/drawing/2014/main" id="{00BCED17-0DA5-0413-82FF-2938ACAC5419}"/>
               </a:ext>
             </a:extLst>
           </p:cNvPr>
@@ -3028,13 +3529,14 @@
         </p:nvPicPr>
         <p:blipFill>
           <a:blip r:embed="rId3"/>
-          <a:srcRect/>
-          <a:stretch/>
+          <a:stretch>
+            <a:fillRect/>
+          </a:stretch>
         </p:blipFill>
         <p:spPr>
           <a:xfrm>
-            <a:off x="7533671" y="94676"/>
-            <a:ext cx="2060167" cy="6586864"/>
+            <a:off x="3561348" y="99394"/>
+            <a:ext cx="9336674" cy="6403471"/>
           </a:xfrm>
           <a:prstGeom prst="rect">
             <a:avLst/>
@@ -3043,440 +3545,168 @@
       </p:pic>
       <p:sp>
         <p:nvSpPr>
-          <p:cNvPr id="8" name="Left Bracket 7">
+          <p:cNvPr id="16" name="TextBox 4">
             <a:extLst>
               <a:ext uri="{FF2B5EF4-FFF2-40B4-BE49-F238E27FC236}">
-                <a16:creationId xmlns:a16="http://schemas.microsoft.com/office/drawing/2014/main" id="{D405A189-8A94-B949-A6B9-6C37A5DED5BC}"/>
+                <a16:creationId xmlns:a16="http://schemas.microsoft.com/office/drawing/2014/main" id="{18D58B1B-CBDE-734C-9FF5-FDAB39841F5C}"/>
               </a:ext>
             </a:extLst>
           </p:cNvPr>
-          <p:cNvSpPr/>
+          <p:cNvSpPr txBox="1">
+            <a:spLocks noChangeArrowheads="1"/>
+          </p:cNvSpPr>
           <p:nvPr/>
         </p:nvSpPr>
-        <p:spPr>
-          <a:xfrm flipH="1">
-            <a:off x="7065069" y="1389683"/>
-            <a:ext cx="112725" cy="2373021"/>
-          </a:xfrm>
-          <a:prstGeom prst="leftBracket">
-            <a:avLst/>
-          </a:prstGeom>
-          <a:ln w="12700"/>
-        </p:spPr>
-        <p:style>
-          <a:lnRef idx="1">
-            <a:schemeClr val="dk1"/>
-          </a:lnRef>
-          <a:fillRef idx="0">
-            <a:schemeClr val="dk1"/>
-          </a:fillRef>
-          <a:effectRef idx="0">
-            <a:schemeClr val="dk1"/>
-          </a:effectRef>
-          <a:fontRef idx="minor">
-            <a:schemeClr val="tx1"/>
-          </a:fontRef>
-        </p:style>
-        <p:txBody>
-          <a:bodyPr rtlCol="0" anchor="ctr"/>
-          <a:lstStyle/>
-          <a:p>
-            <a:pPr algn="ctr"/>
-            <a:endParaRPr lang="en-DE"/>
-          </a:p>
-        </p:txBody>
-      </p:sp>
-      <p:sp>
-        <p:nvSpPr>
-          <p:cNvPr id="9" name="Left Bracket 8">
-            <a:extLst>
-              <a:ext uri="{FF2B5EF4-FFF2-40B4-BE49-F238E27FC236}">
-                <a16:creationId xmlns:a16="http://schemas.microsoft.com/office/drawing/2014/main" id="{D0B1D838-57D0-7447-A148-4DFF7278557B}"/>
-              </a:ext>
-            </a:extLst>
-          </p:cNvPr>
-          <p:cNvSpPr/>
-          <p:nvPr/>
-        </p:nvSpPr>
-        <p:spPr>
-          <a:xfrm flipH="1">
-            <a:off x="7065066" y="3762704"/>
-            <a:ext cx="112724" cy="860745"/>
-          </a:xfrm>
-          <a:prstGeom prst="leftBracket">
-            <a:avLst/>
-          </a:prstGeom>
-          <a:ln w="12700"/>
-        </p:spPr>
-        <p:style>
-          <a:lnRef idx="1">
-            <a:schemeClr val="dk1"/>
-          </a:lnRef>
-          <a:fillRef idx="0">
-            <a:schemeClr val="dk1"/>
-          </a:fillRef>
-          <a:effectRef idx="0">
-            <a:schemeClr val="dk1"/>
-          </a:effectRef>
-          <a:fontRef idx="minor">
-            <a:schemeClr val="tx1"/>
-          </a:fontRef>
-        </p:style>
-        <p:txBody>
-          <a:bodyPr rtlCol="0" anchor="ctr"/>
-          <a:lstStyle/>
-          <a:p>
-            <a:pPr algn="ctr"/>
-            <a:endParaRPr lang="en-DE"/>
-          </a:p>
-        </p:txBody>
-      </p:sp>
-      <p:sp>
-        <p:nvSpPr>
-          <p:cNvPr id="10" name="Left Bracket 9">
-            <a:extLst>
-              <a:ext uri="{FF2B5EF4-FFF2-40B4-BE49-F238E27FC236}">
-                <a16:creationId xmlns:a16="http://schemas.microsoft.com/office/drawing/2014/main" id="{095547DA-340E-BF42-B76F-827F9B1739F3}"/>
-              </a:ext>
-            </a:extLst>
-          </p:cNvPr>
-          <p:cNvSpPr/>
-          <p:nvPr/>
-        </p:nvSpPr>
-        <p:spPr>
-          <a:xfrm flipH="1">
-            <a:off x="7070320" y="4628828"/>
-            <a:ext cx="107470" cy="687092"/>
-          </a:xfrm>
-          <a:prstGeom prst="leftBracket">
-            <a:avLst/>
-          </a:prstGeom>
-          <a:ln w="12700"/>
-        </p:spPr>
-        <p:style>
-          <a:lnRef idx="1">
-            <a:schemeClr val="dk1"/>
-          </a:lnRef>
-          <a:fillRef idx="0">
-            <a:schemeClr val="dk1"/>
-          </a:fillRef>
-          <a:effectRef idx="0">
-            <a:schemeClr val="dk1"/>
-          </a:effectRef>
-          <a:fontRef idx="minor">
-            <a:schemeClr val="tx1"/>
-          </a:fontRef>
-        </p:style>
-        <p:txBody>
-          <a:bodyPr rtlCol="0" anchor="ctr"/>
-          <a:lstStyle/>
-          <a:p>
-            <a:pPr algn="ctr"/>
-            <a:endParaRPr lang="en-DE"/>
-          </a:p>
-        </p:txBody>
-      </p:sp>
-      <p:sp>
-        <p:nvSpPr>
-          <p:cNvPr id="11" name="Left Bracket 10">
-            <a:extLst>
-              <a:ext uri="{FF2B5EF4-FFF2-40B4-BE49-F238E27FC236}">
-                <a16:creationId xmlns:a16="http://schemas.microsoft.com/office/drawing/2014/main" id="{4E2B0E84-C025-5047-B3F3-1E460ABBB0A8}"/>
-              </a:ext>
-            </a:extLst>
-          </p:cNvPr>
-          <p:cNvSpPr/>
-          <p:nvPr/>
-        </p:nvSpPr>
-        <p:spPr>
-          <a:xfrm flipH="1">
-            <a:off x="7065069" y="5315920"/>
-            <a:ext cx="112723" cy="969266"/>
-          </a:xfrm>
-          <a:prstGeom prst="leftBracket">
-            <a:avLst/>
-          </a:prstGeom>
-          <a:ln w="12700"/>
-        </p:spPr>
-        <p:style>
-          <a:lnRef idx="1">
-            <a:schemeClr val="dk1"/>
-          </a:lnRef>
-          <a:fillRef idx="0">
-            <a:schemeClr val="dk1"/>
-          </a:fillRef>
-          <a:effectRef idx="0">
-            <a:schemeClr val="dk1"/>
-          </a:effectRef>
-          <a:fontRef idx="minor">
-            <a:schemeClr val="tx1"/>
-          </a:fontRef>
-        </p:style>
-        <p:txBody>
-          <a:bodyPr rtlCol="0" anchor="ctr"/>
-          <a:lstStyle/>
-          <a:p>
-            <a:pPr algn="ctr"/>
-            <a:endParaRPr lang="en-DE"/>
-          </a:p>
-        </p:txBody>
-      </p:sp>
-      <p:sp>
-        <p:nvSpPr>
-          <p:cNvPr id="12" name="TextBox 11">
-            <a:extLst>
-              <a:ext uri="{FF2B5EF4-FFF2-40B4-BE49-F238E27FC236}">
-                <a16:creationId xmlns:a16="http://schemas.microsoft.com/office/drawing/2014/main" id="{98654DEB-8587-3E4B-99C4-41E7A1648AFE}"/>
-              </a:ext>
-            </a:extLst>
-          </p:cNvPr>
-          <p:cNvSpPr txBox="1"/>
-          <p:nvPr/>
-        </p:nvSpPr>
-        <p:spPr>
+        <p:spPr bwMode="auto">
           <a:xfrm>
-            <a:off x="7167628" y="2422304"/>
-            <a:ext cx="243840" cy="307777"/>
+            <a:off x="8069633" y="-8596"/>
+            <a:ext cx="477710" cy="461665"/>
           </a:xfrm>
           <a:prstGeom prst="rect">
             <a:avLst/>
           </a:prstGeom>
           <a:noFill/>
+          <a:ln>
+            <a:noFill/>
+          </a:ln>
+          <a:extLst>
+            <a:ext uri="{909E8E84-426E-40DD-AFC4-6F175D3DCCD1}">
+              <a14:hiddenFill xmlns:a14="http://schemas.microsoft.com/office/drawing/2010/main">
+                <a:solidFill>
+                  <a:srgbClr val="FFFFFF"/>
+                </a:solidFill>
+              </a14:hiddenFill>
+            </a:ext>
+            <a:ext uri="{91240B29-F687-4F45-9708-019B960494DF}">
+              <a14:hiddenLine xmlns:a14="http://schemas.microsoft.com/office/drawing/2010/main" w="9525">
+                <a:solidFill>
+                  <a:srgbClr val="000000"/>
+                </a:solidFill>
+                <a:miter lim="800000"/>
+                <a:headEnd/>
+                <a:tailEnd/>
+              </a14:hiddenLine>
+            </a:ext>
+          </a:extLst>
         </p:spPr>
         <p:txBody>
-          <a:bodyPr wrap="square" rtlCol="0">
+          <a:bodyPr wrap="square">
             <a:spAutoFit/>
           </a:bodyPr>
-          <a:lstStyle/>
-          <a:p>
-            <a:r>
-              <a:rPr lang="en-DE" sz="1400" b="1" dirty="0">
+          <a:lstStyle>
+            <a:lvl1pPr>
+              <a:defRPr>
+                <a:solidFill>
+                  <a:schemeClr val="tx1"/>
+                </a:solidFill>
+                <a:latin typeface="Calibri" panose="020F0502020204030204" pitchFamily="34" charset="0"/>
+              </a:defRPr>
+            </a:lvl1pPr>
+            <a:lvl2pPr marL="742950" indent="-285750">
+              <a:defRPr>
+                <a:solidFill>
+                  <a:schemeClr val="tx1"/>
+                </a:solidFill>
+                <a:latin typeface="Calibri" panose="020F0502020204030204" pitchFamily="34" charset="0"/>
+              </a:defRPr>
+            </a:lvl2pPr>
+            <a:lvl3pPr marL="1143000" indent="-228600">
+              <a:defRPr>
+                <a:solidFill>
+                  <a:schemeClr val="tx1"/>
+                </a:solidFill>
+                <a:latin typeface="Calibri" panose="020F0502020204030204" pitchFamily="34" charset="0"/>
+              </a:defRPr>
+            </a:lvl3pPr>
+            <a:lvl4pPr marL="1600200" indent="-228600">
+              <a:defRPr>
+                <a:solidFill>
+                  <a:schemeClr val="tx1"/>
+                </a:solidFill>
+                <a:latin typeface="Calibri" panose="020F0502020204030204" pitchFamily="34" charset="0"/>
+              </a:defRPr>
+            </a:lvl4pPr>
+            <a:lvl5pPr marL="2057400" indent="-228600">
+              <a:defRPr>
+                <a:solidFill>
+                  <a:schemeClr val="tx1"/>
+                </a:solidFill>
+                <a:latin typeface="Calibri" panose="020F0502020204030204" pitchFamily="34" charset="0"/>
+              </a:defRPr>
+            </a:lvl5pPr>
+            <a:lvl6pPr marL="2514600" indent="-228600" defTabSz="457200" eaLnBrk="0" fontAlgn="base" hangingPunct="0">
+              <a:spcBef>
+                <a:spcPct val="0"/>
+              </a:spcBef>
+              <a:spcAft>
+                <a:spcPct val="0"/>
+              </a:spcAft>
+              <a:defRPr>
+                <a:solidFill>
+                  <a:schemeClr val="tx1"/>
+                </a:solidFill>
+                <a:latin typeface="Calibri" panose="020F0502020204030204" pitchFamily="34" charset="0"/>
+              </a:defRPr>
+            </a:lvl6pPr>
+            <a:lvl7pPr marL="2971800" indent="-228600" defTabSz="457200" eaLnBrk="0" fontAlgn="base" hangingPunct="0">
+              <a:spcBef>
+                <a:spcPct val="0"/>
+              </a:spcBef>
+              <a:spcAft>
+                <a:spcPct val="0"/>
+              </a:spcAft>
+              <a:defRPr>
+                <a:solidFill>
+                  <a:schemeClr val="tx1"/>
+                </a:solidFill>
+                <a:latin typeface="Calibri" panose="020F0502020204030204" pitchFamily="34" charset="0"/>
+              </a:defRPr>
+            </a:lvl7pPr>
+            <a:lvl8pPr marL="3429000" indent="-228600" defTabSz="457200" eaLnBrk="0" fontAlgn="base" hangingPunct="0">
+              <a:spcBef>
+                <a:spcPct val="0"/>
+              </a:spcBef>
+              <a:spcAft>
+                <a:spcPct val="0"/>
+              </a:spcAft>
+              <a:defRPr>
+                <a:solidFill>
+                  <a:schemeClr val="tx1"/>
+                </a:solidFill>
+                <a:latin typeface="Calibri" panose="020F0502020204030204" pitchFamily="34" charset="0"/>
+              </a:defRPr>
+            </a:lvl8pPr>
+            <a:lvl9pPr marL="3886200" indent="-228600" defTabSz="457200" eaLnBrk="0" fontAlgn="base" hangingPunct="0">
+              <a:spcBef>
+                <a:spcPct val="0"/>
+              </a:spcBef>
+              <a:spcAft>
+                <a:spcPct val="0"/>
+              </a:spcAft>
+              <a:defRPr>
+                <a:solidFill>
+                  <a:schemeClr val="tx1"/>
+                </a:solidFill>
+                <a:latin typeface="Calibri" panose="020F0502020204030204" pitchFamily="34" charset="0"/>
+              </a:defRPr>
+            </a:lvl9pPr>
+          </a:lstStyle>
+          <a:p>
+            <a:pPr algn="ctr" eaLnBrk="1" hangingPunct="1"/>
+            <a:r>
+              <a:rPr lang="en-DE" altLang="en-DE" sz="2400" b="1" dirty="0">
                 <a:latin typeface="Arial" panose="020B0604020202020204" pitchFamily="34" charset="0"/>
                 <a:cs typeface="Arial" panose="020B0604020202020204" pitchFamily="34" charset="0"/>
               </a:rPr>
-              <a:t>1</a:t>
-            </a:r>
-            <a:endParaRPr lang="en-DE" b="1" dirty="0">
-              <a:latin typeface="Arial" panose="020B0604020202020204" pitchFamily="34" charset="0"/>
-              <a:cs typeface="Arial" panose="020B0604020202020204" pitchFamily="34" charset="0"/>
-            </a:endParaRPr>
-          </a:p>
-        </p:txBody>
-      </p:sp>
-      <p:sp>
-        <p:nvSpPr>
-          <p:cNvPr id="13" name="TextBox 12">
-            <a:extLst>
-              <a:ext uri="{FF2B5EF4-FFF2-40B4-BE49-F238E27FC236}">
-                <a16:creationId xmlns:a16="http://schemas.microsoft.com/office/drawing/2014/main" id="{25256B62-9216-7545-AE55-BB71AF417D50}"/>
-              </a:ext>
-            </a:extLst>
-          </p:cNvPr>
-          <p:cNvSpPr txBox="1"/>
-          <p:nvPr/>
-        </p:nvSpPr>
-        <p:spPr>
-          <a:xfrm>
-            <a:off x="7167628" y="4093448"/>
-            <a:ext cx="243840" cy="307777"/>
-          </a:xfrm>
-          <a:prstGeom prst="rect">
-            <a:avLst/>
-          </a:prstGeom>
-          <a:noFill/>
-        </p:spPr>
-        <p:txBody>
-          <a:bodyPr wrap="square" rtlCol="0">
-            <a:spAutoFit/>
-          </a:bodyPr>
-          <a:lstStyle/>
-          <a:p>
-            <a:r>
-              <a:rPr lang="en-DE" sz="1400" b="1" dirty="0">
-                <a:latin typeface="Arial" panose="020B0604020202020204" pitchFamily="34" charset="0"/>
-                <a:cs typeface="Arial" panose="020B0604020202020204" pitchFamily="34" charset="0"/>
-              </a:rPr>
-              <a:t>4</a:t>
-            </a:r>
-            <a:endParaRPr lang="en-DE" b="1" dirty="0">
-              <a:latin typeface="Arial" panose="020B0604020202020204" pitchFamily="34" charset="0"/>
-              <a:cs typeface="Arial" panose="020B0604020202020204" pitchFamily="34" charset="0"/>
-            </a:endParaRPr>
-          </a:p>
-        </p:txBody>
-      </p:sp>
-      <p:sp>
-        <p:nvSpPr>
-          <p:cNvPr id="14" name="TextBox 13">
-            <a:extLst>
-              <a:ext uri="{FF2B5EF4-FFF2-40B4-BE49-F238E27FC236}">
-                <a16:creationId xmlns:a16="http://schemas.microsoft.com/office/drawing/2014/main" id="{EDC93C8E-F559-8C49-9143-8ACEFDA12290}"/>
-              </a:ext>
-            </a:extLst>
-          </p:cNvPr>
-          <p:cNvSpPr txBox="1"/>
-          <p:nvPr/>
-        </p:nvSpPr>
-        <p:spPr>
-          <a:xfrm>
-            <a:off x="7167628" y="4821355"/>
-            <a:ext cx="243840" cy="307777"/>
-          </a:xfrm>
-          <a:prstGeom prst="rect">
-            <a:avLst/>
-          </a:prstGeom>
-          <a:noFill/>
-        </p:spPr>
-        <p:txBody>
-          <a:bodyPr wrap="square" rtlCol="0">
-            <a:spAutoFit/>
-          </a:bodyPr>
-          <a:lstStyle/>
-          <a:p>
-            <a:r>
-              <a:rPr lang="en-DE" sz="1400" b="1" dirty="0">
-                <a:latin typeface="Arial" panose="020B0604020202020204" pitchFamily="34" charset="0"/>
-                <a:cs typeface="Arial" panose="020B0604020202020204" pitchFamily="34" charset="0"/>
-              </a:rPr>
-              <a:t>3</a:t>
-            </a:r>
-            <a:endParaRPr lang="en-DE" b="1" dirty="0">
-              <a:latin typeface="Arial" panose="020B0604020202020204" pitchFamily="34" charset="0"/>
-              <a:cs typeface="Arial" panose="020B0604020202020204" pitchFamily="34" charset="0"/>
-            </a:endParaRPr>
-          </a:p>
-        </p:txBody>
-      </p:sp>
-      <p:sp>
-        <p:nvSpPr>
-          <p:cNvPr id="15" name="TextBox 14">
-            <a:extLst>
-              <a:ext uri="{FF2B5EF4-FFF2-40B4-BE49-F238E27FC236}">
-                <a16:creationId xmlns:a16="http://schemas.microsoft.com/office/drawing/2014/main" id="{088043AA-6CAD-9140-99B5-0E1559D478A4}"/>
-              </a:ext>
-            </a:extLst>
-          </p:cNvPr>
-          <p:cNvSpPr txBox="1"/>
-          <p:nvPr/>
-        </p:nvSpPr>
-        <p:spPr>
-          <a:xfrm>
-            <a:off x="7170075" y="5646666"/>
-            <a:ext cx="243840" cy="307777"/>
-          </a:xfrm>
-          <a:prstGeom prst="rect">
-            <a:avLst/>
-          </a:prstGeom>
-          <a:noFill/>
-        </p:spPr>
-        <p:txBody>
-          <a:bodyPr wrap="square" rtlCol="0">
-            <a:spAutoFit/>
-          </a:bodyPr>
-          <a:lstStyle/>
-          <a:p>
-            <a:r>
-              <a:rPr lang="en-DE" sz="1400" b="1" dirty="0">
-                <a:latin typeface="Arial" panose="020B0604020202020204" pitchFamily="34" charset="0"/>
-                <a:cs typeface="Arial" panose="020B0604020202020204" pitchFamily="34" charset="0"/>
-              </a:rPr>
-              <a:t>2</a:t>
-            </a:r>
-            <a:endParaRPr lang="en-DE" b="1" dirty="0">
-              <a:latin typeface="Arial" panose="020B0604020202020204" pitchFamily="34" charset="0"/>
-              <a:cs typeface="Arial" panose="020B0604020202020204" pitchFamily="34" charset="0"/>
-            </a:endParaRPr>
-          </a:p>
-        </p:txBody>
-      </p:sp>
-      <p:sp>
-        <p:nvSpPr>
-          <p:cNvPr id="16" name="TextBox 15">
-            <a:extLst>
-              <a:ext uri="{FF2B5EF4-FFF2-40B4-BE49-F238E27FC236}">
-                <a16:creationId xmlns:a16="http://schemas.microsoft.com/office/drawing/2014/main" id="{2BCD237C-2CA0-5646-B07D-7FA7F998209D}"/>
-              </a:ext>
-            </a:extLst>
-          </p:cNvPr>
-          <p:cNvSpPr txBox="1"/>
-          <p:nvPr/>
-        </p:nvSpPr>
-        <p:spPr>
-          <a:xfrm>
-            <a:off x="-11171" y="94676"/>
-            <a:ext cx="308610" cy="461665"/>
-          </a:xfrm>
-          <a:prstGeom prst="rect">
-            <a:avLst/>
-          </a:prstGeom>
-          <a:noFill/>
-        </p:spPr>
-        <p:txBody>
-          <a:bodyPr wrap="square" rtlCol="0">
-            <a:spAutoFit/>
-          </a:bodyPr>
-          <a:lstStyle/>
-          <a:p>
-            <a:r>
-              <a:rPr lang="en-DE" sz="2400" b="1" dirty="0">
-                <a:latin typeface="Arial" panose="020B0604020202020204" pitchFamily="34" charset="0"/>
-                <a:cs typeface="Arial" panose="020B0604020202020204" pitchFamily="34" charset="0"/>
-              </a:rPr>
-              <a:t>A</a:t>
-            </a:r>
-            <a:endParaRPr lang="en-DE" b="1" dirty="0">
-              <a:latin typeface="Arial" panose="020B0604020202020204" pitchFamily="34" charset="0"/>
-              <a:cs typeface="Arial" panose="020B0604020202020204" pitchFamily="34" charset="0"/>
-            </a:endParaRPr>
-          </a:p>
-        </p:txBody>
-      </p:sp>
-      <p:sp>
-        <p:nvSpPr>
-          <p:cNvPr id="17" name="TextBox 16">
-            <a:extLst>
-              <a:ext uri="{FF2B5EF4-FFF2-40B4-BE49-F238E27FC236}">
-                <a16:creationId xmlns:a16="http://schemas.microsoft.com/office/drawing/2014/main" id="{9EB7AF05-DC10-0347-B04F-9B002F08B840}"/>
-              </a:ext>
-            </a:extLst>
-          </p:cNvPr>
-          <p:cNvSpPr txBox="1"/>
-          <p:nvPr/>
-        </p:nvSpPr>
-        <p:spPr>
-          <a:xfrm>
-            <a:off x="7167628" y="94676"/>
-            <a:ext cx="308610" cy="461665"/>
-          </a:xfrm>
-          <a:prstGeom prst="rect">
-            <a:avLst/>
-          </a:prstGeom>
-          <a:noFill/>
-        </p:spPr>
-        <p:txBody>
-          <a:bodyPr wrap="square" rtlCol="0">
-            <a:spAutoFit/>
-          </a:bodyPr>
-          <a:lstStyle/>
-          <a:p>
-            <a:r>
-              <a:rPr lang="en-DE" sz="2400" b="1" dirty="0">
-                <a:latin typeface="Arial" panose="020B0604020202020204" pitchFamily="34" charset="0"/>
-                <a:cs typeface="Arial" panose="020B0604020202020204" pitchFamily="34" charset="0"/>
-              </a:rPr>
-              <a:t>B</a:t>
-            </a:r>
-            <a:endParaRPr lang="en-DE" b="1" dirty="0">
-              <a:latin typeface="Arial" panose="020B0604020202020204" pitchFamily="34" charset="0"/>
-              <a:cs typeface="Arial" panose="020B0604020202020204" pitchFamily="34" charset="0"/>
-            </a:endParaRPr>
+              <a:t>C</a:t>
+            </a:r>
           </a:p>
         </p:txBody>
       </p:sp>
     </p:spTree>
     <p:extLst>
       <p:ext uri="{BB962C8B-B14F-4D97-AF65-F5344CB8AC3E}">
-        <p14:creationId xmlns:p14="http://schemas.microsoft.com/office/powerpoint/2010/main" val="1165648758"/>
+        <p14:creationId xmlns:p14="http://schemas.microsoft.com/office/powerpoint/2010/main" val="1466436473"/>
       </p:ext>
     </p:extLst>
   </p:cSld>

--- a/fig/figS6.pptx
+++ b/fig/figS6.pptx
@@ -260,7 +260,7 @@
               <a:pPr>
                 <a:defRPr/>
               </a:pPr>
-              <a:t>29.04.22</a:t>
+              <a:t>13.07.22</a:t>
             </a:fld>
             <a:endParaRPr lang="en-DE"/>
           </a:p>
@@ -445,7 +445,7 @@
               <a:pPr>
                 <a:defRPr/>
               </a:pPr>
-              <a:t>29.04.22</a:t>
+              <a:t>13.07.22</a:t>
             </a:fld>
             <a:endParaRPr lang="en-DE"/>
           </a:p>
@@ -640,7 +640,7 @@
               <a:pPr>
                 <a:defRPr/>
               </a:pPr>
-              <a:t>29.04.22</a:t>
+              <a:t>13.07.22</a:t>
             </a:fld>
             <a:endParaRPr lang="en-DE"/>
           </a:p>
@@ -825,7 +825,7 @@
               <a:pPr>
                 <a:defRPr/>
               </a:pPr>
-              <a:t>29.04.22</a:t>
+              <a:t>13.07.22</a:t>
             </a:fld>
             <a:endParaRPr lang="en-DE"/>
           </a:p>
@@ -1086,7 +1086,7 @@
               <a:pPr>
                 <a:defRPr/>
               </a:pPr>
-              <a:t>29.04.22</a:t>
+              <a:t>13.07.22</a:t>
             </a:fld>
             <a:endParaRPr lang="en-DE"/>
           </a:p>
@@ -1333,7 +1333,7 @@
               <a:pPr>
                 <a:defRPr/>
               </a:pPr>
-              <a:t>29.04.22</a:t>
+              <a:t>13.07.22</a:t>
             </a:fld>
             <a:endParaRPr lang="en-DE"/>
           </a:p>
@@ -1715,7 +1715,7 @@
               <a:pPr>
                 <a:defRPr/>
               </a:pPr>
-              <a:t>29.04.22</a:t>
+              <a:t>13.07.22</a:t>
             </a:fld>
             <a:endParaRPr lang="en-DE"/>
           </a:p>
@@ -1848,7 +1848,7 @@
               <a:pPr>
                 <a:defRPr/>
               </a:pPr>
-              <a:t>29.04.22</a:t>
+              <a:t>13.07.22</a:t>
             </a:fld>
             <a:endParaRPr lang="en-DE"/>
           </a:p>
@@ -1958,7 +1958,7 @@
               <a:pPr>
                 <a:defRPr/>
               </a:pPr>
-              <a:t>29.04.22</a:t>
+              <a:t>13.07.22</a:t>
             </a:fld>
             <a:endParaRPr lang="en-DE"/>
           </a:p>
@@ -2250,7 +2250,7 @@
               <a:pPr>
                 <a:defRPr/>
               </a:pPr>
-              <a:t>29.04.22</a:t>
+              <a:t>13.07.22</a:t>
             </a:fld>
             <a:endParaRPr lang="en-DE"/>
           </a:p>
@@ -2522,7 +2522,7 @@
               <a:pPr>
                 <a:defRPr/>
               </a:pPr>
-              <a:t>29.04.22</a:t>
+              <a:t>13.07.22</a:t>
             </a:fld>
             <a:endParaRPr lang="en-DE"/>
           </a:p>
@@ -2750,7 +2750,7 @@
               <a:pPr>
                 <a:defRPr/>
               </a:pPr>
-              <a:t>29.04.22</a:t>
+              <a:t>13.07.22</a:t>
             </a:fld>
             <a:endParaRPr lang="en-DE"/>
           </a:p>
@@ -3505,8 +3505,8 @@
         </p:blipFill>
         <p:spPr>
           <a:xfrm>
-            <a:off x="486905" y="50056"/>
-            <a:ext cx="2482743" cy="6380286"/>
+            <a:off x="431878" y="176378"/>
+            <a:ext cx="2557021" cy="6249502"/>
           </a:xfrm>
           <a:prstGeom prst="rect">
             <a:avLst/>
@@ -3529,14 +3529,13 @@
         </p:nvPicPr>
         <p:blipFill>
           <a:blip r:embed="rId3"/>
-          <a:stretch>
-            <a:fillRect/>
-          </a:stretch>
+          <a:srcRect/>
+          <a:stretch/>
         </p:blipFill>
         <p:spPr>
           <a:xfrm>
             <a:off x="3561348" y="99394"/>
-            <a:ext cx="9336674" cy="6403471"/>
+            <a:ext cx="9336673" cy="6403471"/>
           </a:xfrm>
           <a:prstGeom prst="rect">
             <a:avLst/>
